--- a/Presentation.pptx
+++ b/Presentation.pptx
@@ -511,22 +511,175 @@
           <a:bodyPr/>
           <a:lstStyle/>
           <a:p>
+            <a:r>
+              <a:rPr lang="de-DE" dirty="0" smtClean="0"/>
+              <a:t>tipsy.com</a:t>
+            </a:r>
+            <a:endParaRPr lang="de-DE" dirty="0"/>
+          </a:p>
+        </p:txBody>
+      </p:sp>
+      <p:sp>
+        <p:nvSpPr>
+          <p:cNvPr id="4" name="Slide Number Placeholder 3"/>
+          <p:cNvSpPr>
+            <a:spLocks noGrp="1"/>
+          </p:cNvSpPr>
+          <p:nvPr>
+            <p:ph type="sldNum" sz="quarter" idx="10"/>
+          </p:nvPr>
+        </p:nvSpPr>
+        <p:spPr/>
+        <p:txBody>
+          <a:bodyPr/>
+          <a:lstStyle/>
+          <a:p>
+            <a:fld id="{CA9203F9-CADA-48F9-9673-D4AF767208BE}" type="slidenum">
+              <a:rPr lang="de-DE" smtClean="0"/>
+              <a:t>3</a:t>
+            </a:fld>
+            <a:endParaRPr lang="de-DE"/>
+          </a:p>
+        </p:txBody>
+      </p:sp>
+    </p:spTree>
+    <p:extLst>
+      <p:ext uri="{BB962C8B-B14F-4D97-AF65-F5344CB8AC3E}">
+        <p14:creationId xmlns:p14="http://schemas.microsoft.com/office/powerpoint/2010/main" val="1553223158"/>
+      </p:ext>
+    </p:extLst>
+  </p:cSld>
+  <p:clrMapOvr>
+    <a:masterClrMapping/>
+  </p:clrMapOvr>
+</p:notes>
+</file>
+
+<file path=ppt/notesSlides/notesSlide2.xml><?xml version="1.0" encoding="utf-8"?>
+<p:notes xmlns:a="http://schemas.openxmlformats.org/drawingml/2006/main" xmlns:r="http://schemas.openxmlformats.org/officeDocument/2006/relationships" xmlns:p="http://schemas.openxmlformats.org/presentationml/2006/main">
+  <p:cSld>
+    <p:spTree>
+      <p:nvGrpSpPr>
+        <p:cNvPr id="1" name=""/>
+        <p:cNvGrpSpPr/>
+        <p:nvPr/>
+      </p:nvGrpSpPr>
+      <p:grpSpPr>
+        <a:xfrm>
+          <a:off x="0" y="0"/>
+          <a:ext cx="0" cy="0"/>
+          <a:chOff x="0" y="0"/>
+          <a:chExt cx="0" cy="0"/>
+        </a:xfrm>
+      </p:grpSpPr>
+      <p:sp>
+        <p:nvSpPr>
+          <p:cNvPr id="2" name="Slide Image Placeholder 1"/>
+          <p:cNvSpPr>
+            <a:spLocks noGrp="1" noRot="1" noChangeAspect="1"/>
+          </p:cNvSpPr>
+          <p:nvPr>
+            <p:ph type="sldImg"/>
+          </p:nvPr>
+        </p:nvSpPr>
+        <p:spPr/>
+      </p:sp>
+      <p:sp>
+        <p:nvSpPr>
+          <p:cNvPr id="3" name="Notes Placeholder 2"/>
+          <p:cNvSpPr>
+            <a:spLocks noGrp="1"/>
+          </p:cNvSpPr>
+          <p:nvPr>
+            <p:ph type="body" idx="1"/>
+          </p:nvPr>
+        </p:nvSpPr>
+        <p:spPr/>
+        <p:txBody>
+          <a:bodyPr/>
+          <a:lstStyle/>
+          <a:p>
             <a:pPr marL="171450" indent="-171450">
               <a:buFontTx/>
               <a:buChar char="-"/>
             </a:pPr>
             <a:r>
+              <a:rPr lang="de-DE" dirty="0" err="1" smtClean="0"/>
+              <a:t>twitter</a:t>
+            </a:r>
+            <a:r>
               <a:rPr lang="de-DE" dirty="0" smtClean="0"/>
-              <a:t>Star </a:t>
+              <a:t>: 180 </a:t>
             </a:r>
             <a:r>
               <a:rPr lang="de-DE" dirty="0" err="1" smtClean="0"/>
-              <a:t>schema</a:t>
+              <a:t>requests</a:t>
             </a:r>
             <a:r>
               <a:rPr lang="de-DE" dirty="0" smtClean="0"/>
+              <a:t> per</a:t>
+            </a:r>
+            <a:r>
+              <a:rPr lang="de-DE" baseline="0" dirty="0" smtClean="0"/>
+              <a:t> 15 </a:t>
+            </a:r>
+            <a:r>
+              <a:rPr lang="de-DE" baseline="0" dirty="0" err="1" smtClean="0"/>
+              <a:t>minutes</a:t>
+            </a:r>
+            <a:r>
+              <a:rPr lang="de-DE" baseline="0" dirty="0" smtClean="0"/>
+              <a:t>, </a:t>
+            </a:r>
+            <a:r>
+              <a:rPr lang="de-DE" baseline="0" dirty="0" err="1" smtClean="0"/>
+              <a:t>maximum</a:t>
+            </a:r>
+            <a:r>
+              <a:rPr lang="de-DE" baseline="0" dirty="0" smtClean="0"/>
+              <a:t> 100 </a:t>
+            </a:r>
+            <a:r>
+              <a:rPr lang="de-DE" baseline="0" dirty="0" err="1" smtClean="0"/>
+              <a:t>tweets</a:t>
+            </a:r>
+            <a:r>
+              <a:rPr lang="de-DE" baseline="0" dirty="0" smtClean="0"/>
+              <a:t> per </a:t>
+            </a:r>
+            <a:r>
+              <a:rPr lang="de-DE" baseline="0" dirty="0" err="1" smtClean="0"/>
+              <a:t>request</a:t>
+            </a:r>
+            <a:r>
+              <a:rPr lang="de-DE" baseline="0" dirty="0" smtClean="0"/>
               <a:t> </a:t>
             </a:r>
+            <a:r>
+              <a:rPr lang="de-DE" baseline="0" dirty="0" smtClean="0">
+                <a:sym typeface="Wingdings" panose="05000000000000000000" pitchFamily="2" charset="2"/>
+              </a:rPr>
+              <a:t> </a:t>
+            </a:r>
+            <a:r>
+              <a:rPr lang="de-DE" baseline="0" dirty="0" err="1" smtClean="0">
+                <a:sym typeface="Wingdings" panose="05000000000000000000" pitchFamily="2" charset="2"/>
+              </a:rPr>
+              <a:t>java</a:t>
+            </a:r>
+            <a:r>
+              <a:rPr lang="de-DE" baseline="0" dirty="0" smtClean="0">
+                <a:sym typeface="Wingdings" panose="05000000000000000000" pitchFamily="2" charset="2"/>
+              </a:rPr>
+              <a:t> </a:t>
+            </a:r>
+            <a:r>
+              <a:rPr lang="de-DE" baseline="0" dirty="0" err="1" smtClean="0">
+                <a:sym typeface="Wingdings" panose="05000000000000000000" pitchFamily="2" charset="2"/>
+              </a:rPr>
+              <a:t>program</a:t>
+            </a:r>
+            <a:endParaRPr lang="de-DE" dirty="0" smtClean="0"/>
           </a:p>
           <a:p>
             <a:pPr marL="171450" indent="-171450">
@@ -535,6 +688,172 @@
             </a:pPr>
             <a:r>
               <a:rPr lang="de-DE" dirty="0" err="1" smtClean="0"/>
+              <a:t>Weather</a:t>
+            </a:r>
+            <a:r>
+              <a:rPr lang="de-DE" dirty="0" smtClean="0"/>
+              <a:t> </a:t>
+            </a:r>
+            <a:r>
+              <a:rPr lang="de-DE" dirty="0" err="1" smtClean="0"/>
+              <a:t>data</a:t>
+            </a:r>
+            <a:r>
+              <a:rPr lang="de-DE" dirty="0" smtClean="0"/>
+              <a:t>: parse </a:t>
+            </a:r>
+            <a:r>
+              <a:rPr lang="de-DE" dirty="0" err="1" smtClean="0"/>
+              <a:t>daily</a:t>
+            </a:r>
+            <a:r>
+              <a:rPr lang="de-DE" baseline="0" dirty="0" smtClean="0"/>
+              <a:t> </a:t>
+            </a:r>
+            <a:r>
+              <a:rPr lang="de-DE" baseline="0" dirty="0" err="1" smtClean="0"/>
+              <a:t>data</a:t>
+            </a:r>
+            <a:r>
+              <a:rPr lang="de-DE" baseline="0" dirty="0" smtClean="0"/>
+              <a:t> </a:t>
+            </a:r>
+            <a:r>
+              <a:rPr lang="de-DE" baseline="0" dirty="0" err="1" smtClean="0"/>
+              <a:t>for</a:t>
+            </a:r>
+            <a:r>
+              <a:rPr lang="de-DE" baseline="0" dirty="0" smtClean="0"/>
+              <a:t> </a:t>
+            </a:r>
+            <a:r>
+              <a:rPr lang="de-DE" baseline="0" dirty="0" err="1" smtClean="0"/>
+              <a:t>each</a:t>
+            </a:r>
+            <a:r>
+              <a:rPr lang="de-DE" baseline="0" dirty="0" smtClean="0"/>
+              <a:t> </a:t>
+            </a:r>
+            <a:r>
+              <a:rPr lang="de-DE" baseline="0" dirty="0" err="1" smtClean="0"/>
+              <a:t>weather</a:t>
+            </a:r>
+            <a:r>
+              <a:rPr lang="de-DE" baseline="0" dirty="0" smtClean="0"/>
+              <a:t> </a:t>
+            </a:r>
+            <a:r>
+              <a:rPr lang="de-DE" baseline="0" dirty="0" err="1" smtClean="0"/>
+              <a:t>station</a:t>
+            </a:r>
+            <a:endParaRPr lang="de-DE" dirty="0"/>
+          </a:p>
+        </p:txBody>
+      </p:sp>
+      <p:sp>
+        <p:nvSpPr>
+          <p:cNvPr id="4" name="Slide Number Placeholder 3"/>
+          <p:cNvSpPr>
+            <a:spLocks noGrp="1"/>
+          </p:cNvSpPr>
+          <p:nvPr>
+            <p:ph type="sldNum" sz="quarter" idx="10"/>
+          </p:nvPr>
+        </p:nvSpPr>
+        <p:spPr/>
+        <p:txBody>
+          <a:bodyPr/>
+          <a:lstStyle/>
+          <a:p>
+            <a:fld id="{CA9203F9-CADA-48F9-9673-D4AF767208BE}" type="slidenum">
+              <a:rPr lang="de-DE" smtClean="0"/>
+              <a:t>5</a:t>
+            </a:fld>
+            <a:endParaRPr lang="de-DE"/>
+          </a:p>
+        </p:txBody>
+      </p:sp>
+    </p:spTree>
+    <p:extLst>
+      <p:ext uri="{BB962C8B-B14F-4D97-AF65-F5344CB8AC3E}">
+        <p14:creationId xmlns:p14="http://schemas.microsoft.com/office/powerpoint/2010/main" val="1759585625"/>
+      </p:ext>
+    </p:extLst>
+  </p:cSld>
+  <p:clrMapOvr>
+    <a:masterClrMapping/>
+  </p:clrMapOvr>
+</p:notes>
+</file>
+
+<file path=ppt/notesSlides/notesSlide3.xml><?xml version="1.0" encoding="utf-8"?>
+<p:notes xmlns:a="http://schemas.openxmlformats.org/drawingml/2006/main" xmlns:r="http://schemas.openxmlformats.org/officeDocument/2006/relationships" xmlns:p="http://schemas.openxmlformats.org/presentationml/2006/main">
+  <p:cSld>
+    <p:spTree>
+      <p:nvGrpSpPr>
+        <p:cNvPr id="1" name=""/>
+        <p:cNvGrpSpPr/>
+        <p:nvPr/>
+      </p:nvGrpSpPr>
+      <p:grpSpPr>
+        <a:xfrm>
+          <a:off x="0" y="0"/>
+          <a:ext cx="0" cy="0"/>
+          <a:chOff x="0" y="0"/>
+          <a:chExt cx="0" cy="0"/>
+        </a:xfrm>
+      </p:grpSpPr>
+      <p:sp>
+        <p:nvSpPr>
+          <p:cNvPr id="2" name="Slide Image Placeholder 1"/>
+          <p:cNvSpPr>
+            <a:spLocks noGrp="1" noRot="1" noChangeAspect="1"/>
+          </p:cNvSpPr>
+          <p:nvPr>
+            <p:ph type="sldImg"/>
+          </p:nvPr>
+        </p:nvSpPr>
+        <p:spPr/>
+      </p:sp>
+      <p:sp>
+        <p:nvSpPr>
+          <p:cNvPr id="3" name="Notes Placeholder 2"/>
+          <p:cNvSpPr>
+            <a:spLocks noGrp="1"/>
+          </p:cNvSpPr>
+          <p:nvPr>
+            <p:ph type="body" idx="1"/>
+          </p:nvPr>
+        </p:nvSpPr>
+        <p:spPr/>
+        <p:txBody>
+          <a:bodyPr/>
+          <a:lstStyle/>
+          <a:p>
+            <a:pPr marL="171450" indent="-171450">
+              <a:buFontTx/>
+              <a:buChar char="-"/>
+            </a:pPr>
+            <a:r>
+              <a:rPr lang="de-DE" dirty="0" smtClean="0"/>
+              <a:t>Star </a:t>
+            </a:r>
+            <a:r>
+              <a:rPr lang="de-DE" dirty="0" err="1" smtClean="0"/>
+              <a:t>schema</a:t>
+            </a:r>
+            <a:r>
+              <a:rPr lang="de-DE" dirty="0" smtClean="0"/>
+              <a:t> </a:t>
+            </a:r>
+          </a:p>
+          <a:p>
+            <a:pPr marL="171450" indent="-171450">
+              <a:buFontTx/>
+              <a:buChar char="-"/>
+            </a:pPr>
+            <a:r>
+              <a:rPr lang="de-DE" dirty="0" err="1" smtClean="0"/>
               <a:t>ranking</a:t>
             </a:r>
             <a:r>
@@ -878,7 +1197,244 @@
               <a:rPr lang="de-DE" baseline="0" dirty="0" smtClean="0">
                 <a:sym typeface="Wingdings" panose="05000000000000000000" pitchFamily="2" charset="2"/>
               </a:rPr>
+              <a:t>Connect </a:t>
+            </a:r>
+            <a:r>
+              <a:rPr lang="de-DE" baseline="0" dirty="0" err="1" smtClean="0">
+                <a:sym typeface="Wingdings" panose="05000000000000000000" pitchFamily="2" charset="2"/>
+              </a:rPr>
+              <a:t>weatherData</a:t>
+            </a:r>
+            <a:r>
+              <a:rPr lang="de-DE" baseline="0" dirty="0" smtClean="0">
+                <a:sym typeface="Wingdings" panose="05000000000000000000" pitchFamily="2" charset="2"/>
+              </a:rPr>
+              <a:t> </a:t>
+            </a:r>
+            <a:r>
+              <a:rPr lang="de-DE" baseline="0" dirty="0" err="1" smtClean="0">
+                <a:sym typeface="Wingdings" panose="05000000000000000000" pitchFamily="2" charset="2"/>
+              </a:rPr>
+              <a:t>with</a:t>
+            </a:r>
+            <a:r>
+              <a:rPr lang="de-DE" baseline="0" dirty="0" smtClean="0">
+                <a:sym typeface="Wingdings" panose="05000000000000000000" pitchFamily="2" charset="2"/>
+              </a:rPr>
+              <a:t> Tweets via </a:t>
+            </a:r>
+            <a:r>
+              <a:rPr lang="de-DE" baseline="0" dirty="0" err="1" smtClean="0">
+                <a:sym typeface="Wingdings" panose="05000000000000000000" pitchFamily="2" charset="2"/>
+              </a:rPr>
+              <a:t>date</a:t>
+            </a:r>
+            <a:r>
+              <a:rPr lang="de-DE" baseline="0" dirty="0" smtClean="0">
+                <a:sym typeface="Wingdings" panose="05000000000000000000" pitchFamily="2" charset="2"/>
+              </a:rPr>
+              <a:t>, </a:t>
+            </a:r>
+            <a:r>
+              <a:rPr lang="de-DE" baseline="0" dirty="0" err="1" smtClean="0">
+                <a:sym typeface="Wingdings" panose="05000000000000000000" pitchFamily="2" charset="2"/>
+              </a:rPr>
+              <a:t>location</a:t>
+            </a:r>
+            <a:r>
+              <a:rPr lang="de-DE" baseline="0" dirty="0" smtClean="0">
+                <a:sym typeface="Wingdings" panose="05000000000000000000" pitchFamily="2" charset="2"/>
+              </a:rPr>
+              <a:t> </a:t>
+            </a:r>
+            <a:r>
+              <a:rPr lang="de-DE" baseline="0" dirty="0" err="1" smtClean="0">
+                <a:sym typeface="Wingdings" panose="05000000000000000000" pitchFamily="2" charset="2"/>
+              </a:rPr>
+              <a:t>is</a:t>
+            </a:r>
+            <a:r>
+              <a:rPr lang="de-DE" baseline="0" dirty="0" smtClean="0">
+                <a:sym typeface="Wingdings" panose="05000000000000000000" pitchFamily="2" charset="2"/>
+              </a:rPr>
+              <a:t> </a:t>
+            </a:r>
+            <a:r>
+              <a:rPr lang="de-DE" baseline="0" dirty="0" err="1" smtClean="0">
+                <a:sym typeface="Wingdings" panose="05000000000000000000" pitchFamily="2" charset="2"/>
+              </a:rPr>
+              <a:t>supported</a:t>
+            </a:r>
+            <a:r>
+              <a:rPr lang="de-DE" baseline="0" dirty="0" smtClean="0">
+                <a:sym typeface="Wingdings" panose="05000000000000000000" pitchFamily="2" charset="2"/>
+              </a:rPr>
+              <a:t> </a:t>
+            </a:r>
+            <a:r>
+              <a:rPr lang="de-DE" baseline="0" dirty="0" err="1" smtClean="0">
+                <a:sym typeface="Wingdings" panose="05000000000000000000" pitchFamily="2" charset="2"/>
+              </a:rPr>
+              <a:t>by</a:t>
+            </a:r>
+            <a:r>
+              <a:rPr lang="de-DE" baseline="0" dirty="0" smtClean="0">
+                <a:sym typeface="Wingdings" panose="05000000000000000000" pitchFamily="2" charset="2"/>
+              </a:rPr>
+              <a:t> </a:t>
+            </a:r>
+            <a:r>
+              <a:rPr lang="de-DE" baseline="0" dirty="0" err="1" smtClean="0">
+                <a:sym typeface="Wingdings" panose="05000000000000000000" pitchFamily="2" charset="2"/>
+              </a:rPr>
+              <a:t>schema</a:t>
+            </a:r>
+            <a:r>
+              <a:rPr lang="de-DE" baseline="0" dirty="0" smtClean="0">
+                <a:sym typeface="Wingdings" panose="05000000000000000000" pitchFamily="2" charset="2"/>
+              </a:rPr>
+              <a:t> </a:t>
+            </a:r>
+            <a:r>
+              <a:rPr lang="de-DE" baseline="0" dirty="0" err="1" smtClean="0">
+                <a:sym typeface="Wingdings" panose="05000000000000000000" pitchFamily="2" charset="2"/>
+              </a:rPr>
+              <a:t>as</a:t>
+            </a:r>
+            <a:r>
+              <a:rPr lang="de-DE" baseline="0" dirty="0" smtClean="0">
+                <a:sym typeface="Wingdings" panose="05000000000000000000" pitchFamily="2" charset="2"/>
+              </a:rPr>
+              <a:t> </a:t>
+            </a:r>
+            <a:r>
+              <a:rPr lang="de-DE" baseline="0" dirty="0" err="1" smtClean="0">
+                <a:sym typeface="Wingdings" panose="05000000000000000000" pitchFamily="2" charset="2"/>
+              </a:rPr>
+              <a:t>well</a:t>
+            </a:r>
+            <a:endParaRPr lang="de-DE" baseline="0" dirty="0" smtClean="0">
+              <a:sym typeface="Wingdings" panose="05000000000000000000" pitchFamily="2" charset="2"/>
+            </a:endParaRPr>
+          </a:p>
+          <a:p>
+            <a:pPr marL="171450" indent="-171450">
+              <a:buFontTx/>
+              <a:buChar char="-"/>
+            </a:pPr>
+            <a:r>
+              <a:rPr lang="de-DE" baseline="0" dirty="0" smtClean="0">
+                <a:sym typeface="Wingdings" panose="05000000000000000000" pitchFamily="2" charset="2"/>
+              </a:rPr>
               <a:t>Season</a:t>
+            </a:r>
+          </a:p>
+          <a:p>
+            <a:pPr marL="171450" indent="-171450">
+              <a:buFontTx/>
+              <a:buChar char="-"/>
+            </a:pPr>
+            <a:r>
+              <a:rPr lang="de-DE" baseline="0" dirty="0" smtClean="0">
+                <a:sym typeface="Wingdings" panose="05000000000000000000" pitchFamily="2" charset="2"/>
+              </a:rPr>
+              <a:t>(Date </a:t>
+            </a:r>
+            <a:r>
+              <a:rPr lang="de-DE" baseline="0" dirty="0" err="1" smtClean="0">
+                <a:sym typeface="Wingdings" panose="05000000000000000000" pitchFamily="2" charset="2"/>
+              </a:rPr>
+              <a:t>dimension</a:t>
+            </a:r>
+            <a:r>
+              <a:rPr lang="de-DE" baseline="0" dirty="0" smtClean="0">
+                <a:sym typeface="Wingdings" panose="05000000000000000000" pitchFamily="2" charset="2"/>
+              </a:rPr>
+              <a:t> </a:t>
+            </a:r>
+            <a:r>
+              <a:rPr lang="de-DE" baseline="0" dirty="0" err="1" smtClean="0">
+                <a:sym typeface="Wingdings" panose="05000000000000000000" pitchFamily="2" charset="2"/>
+              </a:rPr>
+              <a:t>without</a:t>
+            </a:r>
+            <a:r>
+              <a:rPr lang="de-DE" baseline="0" dirty="0" smtClean="0">
+                <a:sym typeface="Wingdings" panose="05000000000000000000" pitchFamily="2" charset="2"/>
+              </a:rPr>
+              <a:t> </a:t>
+            </a:r>
+            <a:r>
+              <a:rPr lang="de-DE" baseline="0" dirty="0" err="1" smtClean="0">
+                <a:sym typeface="Wingdings" panose="05000000000000000000" pitchFamily="2" charset="2"/>
+              </a:rPr>
+              <a:t>year</a:t>
+            </a:r>
+            <a:r>
+              <a:rPr lang="de-DE" baseline="0" dirty="0" smtClean="0">
+                <a:sym typeface="Wingdings" panose="05000000000000000000" pitchFamily="2" charset="2"/>
+              </a:rPr>
+              <a:t> </a:t>
+            </a:r>
+            <a:r>
+              <a:rPr lang="de-DE" baseline="0" dirty="0" err="1" smtClean="0">
+                <a:sym typeface="Wingdings" panose="05000000000000000000" pitchFamily="2" charset="2"/>
+              </a:rPr>
+              <a:t>because</a:t>
+            </a:r>
+            <a:r>
+              <a:rPr lang="de-DE" baseline="0" dirty="0" smtClean="0">
+                <a:sym typeface="Wingdings" panose="05000000000000000000" pitchFamily="2" charset="2"/>
+              </a:rPr>
+              <a:t> </a:t>
+            </a:r>
+            <a:r>
+              <a:rPr lang="de-DE" baseline="0" dirty="0" err="1" smtClean="0">
+                <a:sym typeface="Wingdings" panose="05000000000000000000" pitchFamily="2" charset="2"/>
+              </a:rPr>
+              <a:t>only</a:t>
+            </a:r>
+            <a:r>
+              <a:rPr lang="de-DE" baseline="0" dirty="0" smtClean="0">
+                <a:sym typeface="Wingdings" panose="05000000000000000000" pitchFamily="2" charset="2"/>
+              </a:rPr>
+              <a:t> </a:t>
+            </a:r>
+            <a:r>
+              <a:rPr lang="de-DE" baseline="0" dirty="0" err="1" smtClean="0">
+                <a:sym typeface="Wingdings" panose="05000000000000000000" pitchFamily="2" charset="2"/>
+              </a:rPr>
+              <a:t>current</a:t>
+            </a:r>
+            <a:r>
+              <a:rPr lang="de-DE" baseline="0" dirty="0" smtClean="0">
+                <a:sym typeface="Wingdings" panose="05000000000000000000" pitchFamily="2" charset="2"/>
+              </a:rPr>
+              <a:t> </a:t>
+            </a:r>
+            <a:r>
+              <a:rPr lang="de-DE" baseline="0" dirty="0" err="1" smtClean="0">
+                <a:sym typeface="Wingdings" panose="05000000000000000000" pitchFamily="2" charset="2"/>
+              </a:rPr>
+              <a:t>data</a:t>
+            </a:r>
+            <a:r>
+              <a:rPr lang="de-DE" baseline="0" dirty="0" smtClean="0">
+                <a:sym typeface="Wingdings" panose="05000000000000000000" pitchFamily="2" charset="2"/>
+              </a:rPr>
+              <a:t> </a:t>
+            </a:r>
+            <a:r>
+              <a:rPr lang="de-DE" baseline="0" dirty="0" err="1" smtClean="0">
+                <a:sym typeface="Wingdings" panose="05000000000000000000" pitchFamily="2" charset="2"/>
+              </a:rPr>
+              <a:t>available</a:t>
+            </a:r>
+            <a:r>
+              <a:rPr lang="de-DE" baseline="0" dirty="0" smtClean="0">
+                <a:sym typeface="Wingdings" panose="05000000000000000000" pitchFamily="2" charset="2"/>
+              </a:rPr>
+              <a:t>)</a:t>
             </a:r>
             <a:endParaRPr lang="de-DE" dirty="0" smtClean="0"/>
           </a:p>
@@ -6662,7 +7218,7 @@
           <p:nvPr/>
         </p:nvPicPr>
         <p:blipFill>
-          <a:blip r:embed="rId2">
+          <a:blip r:embed="rId3">
             <a:extLst>
               <a:ext uri="{28A0092B-C50C-407E-A947-70E740481C1C}">
                 <a14:useLocalDpi xmlns:a14="http://schemas.microsoft.com/office/drawing/2010/main" val="0"/>
@@ -7297,7 +7853,7 @@
           <p:nvPr/>
         </p:nvPicPr>
         <p:blipFill>
-          <a:blip r:embed="rId2" cstate="print">
+          <a:blip r:embed="rId3" cstate="print">
             <a:extLst>
               <a:ext uri="{28A0092B-C50C-407E-A947-70E740481C1C}">
                 <a14:useLocalDpi xmlns:a14="http://schemas.microsoft.com/office/drawing/2010/main" val="0"/>
@@ -7361,7 +7917,7 @@
           <p:nvPr/>
         </p:nvPicPr>
         <p:blipFill>
-          <a:blip r:embed="rId3" cstate="print">
+          <a:blip r:embed="rId4" cstate="print">
             <a:extLst>
               <a:ext uri="{28A0092B-C50C-407E-A947-70E740481C1C}">
                 <a14:useLocalDpi xmlns:a14="http://schemas.microsoft.com/office/drawing/2010/main" val="0"/>
@@ -7425,7 +7981,7 @@
           <p:nvPr/>
         </p:nvPicPr>
         <p:blipFill>
-          <a:blip r:embed="rId4">
+          <a:blip r:embed="rId5">
             <a:extLst>
               <a:ext uri="{28A0092B-C50C-407E-A947-70E740481C1C}">
                 <a14:useLocalDpi xmlns:a14="http://schemas.microsoft.com/office/drawing/2010/main" val="0"/>

--- a/Presentation.pptx
+++ b/Presentation.pptx
@@ -1542,11 +1542,6 @@
 <file path=ppt/slideLayouts/slideLayout1.xml><?xml version="1.0" encoding="utf-8"?>
 <p:sldLayout xmlns:a="http://schemas.openxmlformats.org/drawingml/2006/main" xmlns:r="http://schemas.openxmlformats.org/officeDocument/2006/relationships" xmlns:p="http://schemas.openxmlformats.org/presentationml/2006/main" showMasterSp="0" type="title" preserve="1">
   <p:cSld name="Title Slide">
-    <p:bg>
-      <p:bgRef idx="1001">
-        <a:schemeClr val="bg1"/>
-      </p:bgRef>
-    </p:bg>
     <p:spTree>
       <p:nvGrpSpPr>
         <p:cNvPr id="1" name=""/>
@@ -2437,7 +2432,7 @@
 </file>
 
 <file path=ppt/slideLayouts/slideLayout10.xml><?xml version="1.0" encoding="utf-8"?>
-<p:sldLayout xmlns:a="http://schemas.openxmlformats.org/drawingml/2006/main" xmlns:r="http://schemas.openxmlformats.org/officeDocument/2006/relationships" xmlns:p="http://schemas.openxmlformats.org/presentationml/2006/main" type="vertTx" preserve="1">
+<p:sldLayout xmlns:a="http://schemas.openxmlformats.org/drawingml/2006/main" xmlns:r="http://schemas.openxmlformats.org/officeDocument/2006/relationships" xmlns:p="http://schemas.openxmlformats.org/presentationml/2006/main" showMasterSp="0" type="vertTx" preserve="1">
   <p:cSld name="Title and Vertical Text">
     <p:spTree>
       <p:nvGrpSpPr>
@@ -2602,7 +2597,7 @@
 </file>
 
 <file path=ppt/slideLayouts/slideLayout11.xml><?xml version="1.0" encoding="utf-8"?>
-<p:sldLayout xmlns:a="http://schemas.openxmlformats.org/drawingml/2006/main" xmlns:r="http://schemas.openxmlformats.org/officeDocument/2006/relationships" xmlns:p="http://schemas.openxmlformats.org/presentationml/2006/main" type="vertTitleAndTx" preserve="1">
+<p:sldLayout xmlns:a="http://schemas.openxmlformats.org/drawingml/2006/main" xmlns:r="http://schemas.openxmlformats.org/officeDocument/2006/relationships" xmlns:p="http://schemas.openxmlformats.org/presentationml/2006/main" showMasterSp="0" type="vertTitleAndTx" preserve="1">
   <p:cSld name="Vertical Title and Text">
     <p:spTree>
       <p:nvGrpSpPr>
@@ -2777,7 +2772,7 @@
 </file>
 
 <file path=ppt/slideLayouts/slideLayout2.xml><?xml version="1.0" encoding="utf-8"?>
-<p:sldLayout xmlns:a="http://schemas.openxmlformats.org/drawingml/2006/main" xmlns:r="http://schemas.openxmlformats.org/officeDocument/2006/relationships" xmlns:p="http://schemas.openxmlformats.org/presentationml/2006/main" type="obj" preserve="1">
+<p:sldLayout xmlns:a="http://schemas.openxmlformats.org/drawingml/2006/main" xmlns:r="http://schemas.openxmlformats.org/officeDocument/2006/relationships" xmlns:p="http://schemas.openxmlformats.org/presentationml/2006/main" showMasterSp="0" type="obj" preserve="1">
   <p:cSld name="Title and Content">
     <p:spTree>
       <p:nvGrpSpPr>
@@ -2949,11 +2944,6 @@
 <file path=ppt/slideLayouts/slideLayout3.xml><?xml version="1.0" encoding="utf-8"?>
 <p:sldLayout xmlns:a="http://schemas.openxmlformats.org/drawingml/2006/main" xmlns:r="http://schemas.openxmlformats.org/officeDocument/2006/relationships" xmlns:p="http://schemas.openxmlformats.org/presentationml/2006/main" showMasterSp="0" type="secHead" preserve="1">
   <p:cSld name="Section Header">
-    <p:bg>
-      <p:bgRef idx="1001">
-        <a:schemeClr val="bg2"/>
-      </p:bgRef>
-    </p:bg>
     <p:spTree>
       <p:nvGrpSpPr>
         <p:cNvPr id="1" name=""/>
@@ -3858,7 +3848,7 @@
 </file>
 
 <file path=ppt/slideLayouts/slideLayout4.xml><?xml version="1.0" encoding="utf-8"?>
-<p:sldLayout xmlns:a="http://schemas.openxmlformats.org/drawingml/2006/main" xmlns:r="http://schemas.openxmlformats.org/officeDocument/2006/relationships" xmlns:p="http://schemas.openxmlformats.org/presentationml/2006/main" type="twoObj" preserve="1">
+<p:sldLayout xmlns:a="http://schemas.openxmlformats.org/drawingml/2006/main" xmlns:r="http://schemas.openxmlformats.org/officeDocument/2006/relationships" xmlns:p="http://schemas.openxmlformats.org/presentationml/2006/main" showMasterSp="0" type="twoObj" preserve="1">
   <p:cSld name="Two Content">
     <p:spTree>
       <p:nvGrpSpPr>
@@ -4085,7 +4075,7 @@
 </file>
 
 <file path=ppt/slideLayouts/slideLayout5.xml><?xml version="1.0" encoding="utf-8"?>
-<p:sldLayout xmlns:a="http://schemas.openxmlformats.org/drawingml/2006/main" xmlns:r="http://schemas.openxmlformats.org/officeDocument/2006/relationships" xmlns:p="http://schemas.openxmlformats.org/presentationml/2006/main" type="twoTxTwoObj" preserve="1">
+<p:sldLayout xmlns:a="http://schemas.openxmlformats.org/drawingml/2006/main" xmlns:r="http://schemas.openxmlformats.org/officeDocument/2006/relationships" xmlns:p="http://schemas.openxmlformats.org/presentationml/2006/main" showMasterSp="0" type="twoTxTwoObj" preserve="1">
   <p:cSld name="Comparison">
     <p:spTree>
       <p:nvGrpSpPr>
@@ -4417,7 +4407,7 @@
 </file>
 
 <file path=ppt/slideLayouts/slideLayout6.xml><?xml version="1.0" encoding="utf-8"?>
-<p:sldLayout xmlns:a="http://schemas.openxmlformats.org/drawingml/2006/main" xmlns:r="http://schemas.openxmlformats.org/officeDocument/2006/relationships" xmlns:p="http://schemas.openxmlformats.org/presentationml/2006/main" type="titleOnly" preserve="1">
+<p:sldLayout xmlns:a="http://schemas.openxmlformats.org/drawingml/2006/main" xmlns:r="http://schemas.openxmlformats.org/officeDocument/2006/relationships" xmlns:p="http://schemas.openxmlformats.org/presentationml/2006/main" showMasterSp="0" type="titleOnly" preserve="1">
   <p:cSld name="Title Only">
     <p:spTree>
       <p:nvGrpSpPr>
@@ -4530,7 +4520,7 @@
 </file>
 
 <file path=ppt/slideLayouts/slideLayout7.xml><?xml version="1.0" encoding="utf-8"?>
-<p:sldLayout xmlns:a="http://schemas.openxmlformats.org/drawingml/2006/main" xmlns:r="http://schemas.openxmlformats.org/officeDocument/2006/relationships" xmlns:p="http://schemas.openxmlformats.org/presentationml/2006/main" type="blank" preserve="1">
+<p:sldLayout xmlns:a="http://schemas.openxmlformats.org/drawingml/2006/main" xmlns:r="http://schemas.openxmlformats.org/officeDocument/2006/relationships" xmlns:p="http://schemas.openxmlformats.org/presentationml/2006/main" showMasterSp="0" type="blank" preserve="1">
   <p:cSld name="Blank">
     <p:spTree>
       <p:nvGrpSpPr>
@@ -4622,11 +4612,6 @@
 <file path=ppt/slideLayouts/slideLayout8.xml><?xml version="1.0" encoding="utf-8"?>
 <p:sldLayout xmlns:a="http://schemas.openxmlformats.org/drawingml/2006/main" xmlns:r="http://schemas.openxmlformats.org/officeDocument/2006/relationships" xmlns:p="http://schemas.openxmlformats.org/presentationml/2006/main" showMasterSp="0" type="objTx" preserve="1">
   <p:cSld name="Content with Caption">
-    <p:bg>
-      <p:bgRef idx="1001">
-        <a:schemeClr val="bg1"/>
-      </p:bgRef>
-    </p:bg>
     <p:spTree>
       <p:nvGrpSpPr>
         <p:cNvPr id="1" name=""/>
@@ -5651,9 +5636,19 @@
 <p:sldMaster xmlns:a="http://schemas.openxmlformats.org/drawingml/2006/main" xmlns:r="http://schemas.openxmlformats.org/officeDocument/2006/relationships" xmlns:p="http://schemas.openxmlformats.org/presentationml/2006/main">
   <p:cSld>
     <p:bg>
-      <p:bgRef idx="1001">
-        <a:schemeClr val="bg1"/>
-      </p:bgRef>
+      <p:bgPr>
+        <a:blipFill dpi="0" rotWithShape="1">
+          <a:blip r:embed="rId13">
+            <a:alphaModFix amt="30000"/>
+            <a:lum/>
+          </a:blip>
+          <a:srcRect/>
+          <a:stretch>
+            <a:fillRect l="-7000" r="-7000"/>
+          </a:stretch>
+        </a:blipFill>
+        <a:effectLst/>
+      </p:bgPr>
     </p:bg>
     <p:spTree>
       <p:nvGrpSpPr>
@@ -6425,8 +6420,22 @@
 </file>
 
 <file path=ppt/slides/slide1.xml><?xml version="1.0" encoding="utf-8"?>
-<p:sld xmlns:a="http://schemas.openxmlformats.org/drawingml/2006/main" xmlns:r="http://schemas.openxmlformats.org/officeDocument/2006/relationships" xmlns:p="http://schemas.openxmlformats.org/presentationml/2006/main">
+<p:sld xmlns:a="http://schemas.openxmlformats.org/drawingml/2006/main" xmlns:r="http://schemas.openxmlformats.org/officeDocument/2006/relationships" xmlns:p="http://schemas.openxmlformats.org/presentationml/2006/main" showMasterSp="0">
   <p:cSld>
+    <p:bg>
+      <p:bgPr>
+        <a:blipFill dpi="0" rotWithShape="1">
+          <a:blip r:embed="rId2">
+            <a:lum/>
+          </a:blip>
+          <a:srcRect/>
+          <a:stretch>
+            <a:fillRect l="-7000" r="-7000"/>
+          </a:stretch>
+        </a:blipFill>
+        <a:effectLst/>
+      </p:bgPr>
+    </p:bg>
     <p:spTree>
       <p:nvGrpSpPr>
         <p:cNvPr id="1" name=""/>
@@ -6450,13 +6459,15 @@
         <p:spPr>
           <a:xfrm>
             <a:off x="0" y="5605048"/>
-            <a:ext cx="4004738" cy="1252952"/>
+            <a:ext cx="9324528" cy="1252952"/>
           </a:xfrm>
           <a:prstGeom prst="rect">
             <a:avLst/>
           </a:prstGeom>
           <a:solidFill>
-            <a:schemeClr val="bg1"/>
+            <a:schemeClr val="bg1">
+              <a:alpha val="52000"/>
+            </a:schemeClr>
           </a:solidFill>
           <a:ln>
             <a:noFill/>
@@ -6489,52 +6500,81 @@
       </p:sp>
       <p:sp>
         <p:nvSpPr>
-          <p:cNvPr id="2" name="Title 1"/>
-          <p:cNvSpPr>
-            <a:spLocks noGrp="1"/>
-          </p:cNvSpPr>
-          <p:nvPr>
-            <p:ph type="ctrTitle"/>
-          </p:nvPr>
-        </p:nvSpPr>
-        <p:spPr/>
-        <p:txBody>
-          <a:bodyPr/>
-          <a:lstStyle/>
-          <a:p>
-            <a:endParaRPr lang="de-DE"/>
-          </a:p>
-        </p:txBody>
-      </p:sp>
-      <p:sp>
-        <p:nvSpPr>
-          <p:cNvPr id="3" name="Subtitle 2"/>
-          <p:cNvSpPr>
-            <a:spLocks noGrp="1"/>
-          </p:cNvSpPr>
-          <p:nvPr>
-            <p:ph type="subTitle" idx="1"/>
-          </p:nvPr>
-        </p:nvSpPr>
-        <p:spPr/>
-        <p:txBody>
-          <a:bodyPr/>
-          <a:lstStyle/>
-          <a:p>
-            <a:endParaRPr lang="de-DE"/>
+          <p:cNvPr id="4" name="TextBox 3"/>
+          <p:cNvSpPr txBox="1"/>
+          <p:nvPr/>
+        </p:nvSpPr>
+        <p:spPr>
+          <a:xfrm>
+            <a:off x="546083" y="5803913"/>
+            <a:ext cx="8142807" cy="830997"/>
+          </a:xfrm>
+          <a:prstGeom prst="rect">
+            <a:avLst/>
+          </a:prstGeom>
+          <a:noFill/>
+        </p:spPr>
+        <p:txBody>
+          <a:bodyPr wrap="none" rtlCol="0">
+            <a:spAutoFit/>
+          </a:bodyPr>
+          <a:lstStyle/>
+          <a:p>
+            <a:r>
+              <a:rPr lang="de-DE" sz="2400" dirty="0" smtClean="0">
+                <a:solidFill>
+                  <a:sysClr val="windowText" lastClr="000000"/>
+                </a:solidFill>
+                <a:latin typeface="Arial Rounded MT Bold" panose="020F0704030504030204" pitchFamily="34" charset="0"/>
+              </a:rPr>
+              <a:t>Nadine Engelhardt, Patrick Heinze, Johannes Wingert</a:t>
+            </a:r>
+            <a:br>
+              <a:rPr lang="de-DE" sz="2400" dirty="0" smtClean="0">
+                <a:solidFill>
+                  <a:sysClr val="windowText" lastClr="000000"/>
+                </a:solidFill>
+                <a:latin typeface="Arial Rounded MT Bold" panose="020F0704030504030204" pitchFamily="34" charset="0"/>
+              </a:rPr>
+            </a:br>
+            <a:r>
+              <a:rPr lang="de-DE" sz="2400" dirty="0" smtClean="0">
+                <a:solidFill>
+                  <a:sysClr val="windowText" lastClr="000000"/>
+                </a:solidFill>
+                <a:latin typeface="Arial Rounded MT Bold" panose="020F0704030504030204" pitchFamily="34" charset="0"/>
+              </a:rPr>
+              <a:t>24.07.2014, Oshawa</a:t>
+            </a:r>
+            <a:endParaRPr lang="de-DE" sz="2400" dirty="0">
+              <a:solidFill>
+                <a:sysClr val="windowText" lastClr="000000"/>
+              </a:solidFill>
+              <a:latin typeface="Arial Rounded MT Bold" panose="020F0704030504030204" pitchFamily="34" charset="0"/>
+            </a:endParaRPr>
           </a:p>
         </p:txBody>
       </p:sp>
       <p:pic>
         <p:nvPicPr>
-          <p:cNvPr id="1026" name="Picture 2"/>
+          <p:cNvPr id="1027" name="Picture 3"/>
           <p:cNvPicPr>
             <a:picLocks noChangeAspect="1" noChangeArrowheads="1"/>
           </p:cNvPicPr>
           <p:nvPr/>
         </p:nvPicPr>
         <p:blipFill>
-          <a:blip r:embed="rId2">
+          <a:blip r:embed="rId3">
+            <a:clrChange>
+              <a:clrFrom>
+                <a:srgbClr val="FFFFFF"/>
+              </a:clrFrom>
+              <a:clrTo>
+                <a:srgbClr val="FFFFFF">
+                  <a:alpha val="0"/>
+                </a:srgbClr>
+              </a:clrTo>
+            </a:clrChange>
             <a:extLst>
               <a:ext uri="{28A0092B-C50C-407E-A947-70E740481C1C}">
                 <a14:useLocalDpi xmlns:a14="http://schemas.microsoft.com/office/drawing/2010/main" val="0"/>
@@ -6548,8 +6588,8 @@
         </p:blipFill>
         <p:spPr bwMode="auto">
           <a:xfrm>
-            <a:off x="0" y="1228725"/>
-            <a:ext cx="9401175" cy="4400550"/>
+            <a:off x="0" y="-1"/>
+            <a:ext cx="2319748" cy="1228725"/>
           </a:xfrm>
           <a:prstGeom prst="rect">
             <a:avLst/>
@@ -6589,69 +6629,26 @@
           </a:extLst>
         </p:spPr>
       </p:pic>
-      <p:sp>
-        <p:nvSpPr>
-          <p:cNvPr id="4" name="TextBox 3"/>
-          <p:cNvSpPr txBox="1"/>
-          <p:nvPr/>
-        </p:nvSpPr>
-        <p:spPr>
-          <a:xfrm>
-            <a:off x="546083" y="5803913"/>
-            <a:ext cx="7992894" cy="830997"/>
-          </a:xfrm>
-          <a:prstGeom prst="rect">
-            <a:avLst/>
-          </a:prstGeom>
-          <a:noFill/>
-        </p:spPr>
-        <p:txBody>
-          <a:bodyPr wrap="none" rtlCol="0">
-            <a:spAutoFit/>
-          </a:bodyPr>
-          <a:lstStyle/>
-          <a:p>
-            <a:r>
-              <a:rPr lang="de-DE" sz="2400" dirty="0" smtClean="0">
-                <a:solidFill>
-                  <a:sysClr val="windowText" lastClr="000000"/>
-                </a:solidFill>
-              </a:rPr>
-              <a:t>Nadine Engelhardt, Patrick Heinze, Johannes Wingert</a:t>
-            </a:r>
-            <a:br>
-              <a:rPr lang="de-DE" sz="2400" dirty="0" smtClean="0">
-                <a:solidFill>
-                  <a:sysClr val="windowText" lastClr="000000"/>
-                </a:solidFill>
-              </a:rPr>
-            </a:br>
-            <a:r>
-              <a:rPr lang="de-DE" sz="2400" dirty="0" smtClean="0">
-                <a:solidFill>
-                  <a:sysClr val="windowText" lastClr="000000"/>
-                </a:solidFill>
-              </a:rPr>
-              <a:t>24.07.2014, Oshawa</a:t>
-            </a:r>
-            <a:endParaRPr lang="de-DE" sz="2400" dirty="0">
-              <a:solidFill>
-                <a:sysClr val="windowText" lastClr="000000"/>
-              </a:solidFill>
-            </a:endParaRPr>
-          </a:p>
-        </p:txBody>
-      </p:sp>
       <p:pic>
         <p:nvPicPr>
-          <p:cNvPr id="1027" name="Picture 3"/>
+          <p:cNvPr id="1028" name="Picture 4"/>
           <p:cNvPicPr>
             <a:picLocks noChangeAspect="1" noChangeArrowheads="1"/>
           </p:cNvPicPr>
           <p:nvPr/>
         </p:nvPicPr>
         <p:blipFill>
-          <a:blip r:embed="rId3">
+          <a:blip r:embed="rId4">
+            <a:clrChange>
+              <a:clrFrom>
+                <a:srgbClr val="FFFFFF"/>
+              </a:clrFrom>
+              <a:clrTo>
+                <a:srgbClr val="FFFFFF">
+                  <a:alpha val="0"/>
+                </a:srgbClr>
+              </a:clrTo>
+            </a:clrChange>
             <a:extLst>
               <a:ext uri="{28A0092B-C50C-407E-A947-70E740481C1C}">
                 <a14:useLocalDpi xmlns:a14="http://schemas.microsoft.com/office/drawing/2010/main" val="0"/>
@@ -6665,8 +6662,8 @@
         </p:blipFill>
         <p:spPr bwMode="auto">
           <a:xfrm>
-            <a:off x="0" y="-1"/>
-            <a:ext cx="2319748" cy="1228725"/>
+            <a:off x="6300192" y="-1"/>
+            <a:ext cx="2870855" cy="1228726"/>
           </a:xfrm>
           <a:prstGeom prst="rect">
             <a:avLst/>
@@ -6708,14 +6705,14 @@
       </p:pic>
       <p:pic>
         <p:nvPicPr>
-          <p:cNvPr id="1028" name="Picture 4"/>
+          <p:cNvPr id="1032" name="Picture 8" descr="D:\Präsentation\LOGO.PNG"/>
           <p:cNvPicPr>
             <a:picLocks noChangeAspect="1" noChangeArrowheads="1"/>
           </p:cNvPicPr>
           <p:nvPr/>
         </p:nvPicPr>
         <p:blipFill>
-          <a:blip r:embed="rId4">
+          <a:blip r:embed="rId5" cstate="print">
             <a:extLst>
               <a:ext uri="{28A0092B-C50C-407E-A947-70E740481C1C}">
                 <a14:useLocalDpi xmlns:a14="http://schemas.microsoft.com/office/drawing/2010/main" val="0"/>
@@ -6729,8 +6726,309 @@
         </p:blipFill>
         <p:spPr bwMode="auto">
           <a:xfrm>
-            <a:off x="6300192" y="-1"/>
-            <a:ext cx="2870855" cy="1228726"/>
+            <a:off x="2391991" y="2237888"/>
+            <a:ext cx="4691652" cy="1946902"/>
+          </a:xfrm>
+          <a:prstGeom prst="rect">
+            <a:avLst/>
+          </a:prstGeom>
+          <a:noFill/>
+          <a:extLst>
+            <a:ext uri="{909E8E84-426E-40DD-AFC4-6F175D3DCCD1}">
+              <a14:hiddenFill xmlns:a14="http://schemas.microsoft.com/office/drawing/2010/main">
+                <a:solidFill>
+                  <a:srgbClr val="FFFFFF"/>
+                </a:solidFill>
+              </a14:hiddenFill>
+            </a:ext>
+          </a:extLst>
+        </p:spPr>
+      </p:pic>
+    </p:spTree>
+    <p:extLst>
+      <p:ext uri="{BB962C8B-B14F-4D97-AF65-F5344CB8AC3E}">
+        <p14:creationId xmlns:p14="http://schemas.microsoft.com/office/powerpoint/2010/main" val="1956584296"/>
+      </p:ext>
+    </p:extLst>
+  </p:cSld>
+  <p:clrMapOvr>
+    <a:masterClrMapping/>
+  </p:clrMapOvr>
+  <p:timing>
+    <p:tnLst>
+      <p:par>
+        <p:cTn id="1" dur="indefinite" restart="never" nodeType="tmRoot"/>
+      </p:par>
+    </p:tnLst>
+  </p:timing>
+</p:sld>
+</file>
+
+<file path=ppt/slides/slide2.xml><?xml version="1.0" encoding="utf-8"?>
+<p:sld xmlns:a="http://schemas.openxmlformats.org/drawingml/2006/main" xmlns:r="http://schemas.openxmlformats.org/officeDocument/2006/relationships" xmlns:p="http://schemas.openxmlformats.org/presentationml/2006/main" showMasterSp="0">
+  <p:cSld>
+    <p:spTree>
+      <p:nvGrpSpPr>
+        <p:cNvPr id="1" name=""/>
+        <p:cNvGrpSpPr/>
+        <p:nvPr/>
+      </p:nvGrpSpPr>
+      <p:grpSpPr>
+        <a:xfrm>
+          <a:off x="0" y="0"/>
+          <a:ext cx="0" cy="0"/>
+          <a:chOff x="0" y="0"/>
+          <a:chExt cx="0" cy="0"/>
+        </a:xfrm>
+      </p:grpSpPr>
+      <p:sp>
+        <p:nvSpPr>
+          <p:cNvPr id="2" name="Title 1"/>
+          <p:cNvSpPr>
+            <a:spLocks noGrp="1"/>
+          </p:cNvSpPr>
+          <p:nvPr>
+            <p:ph type="title"/>
+          </p:nvPr>
+        </p:nvSpPr>
+        <p:spPr/>
+        <p:txBody>
+          <a:bodyPr/>
+          <a:lstStyle/>
+          <a:p>
+            <a:r>
+              <a:rPr lang="de-DE" dirty="0" smtClean="0"/>
+              <a:t>Motivation</a:t>
+            </a:r>
+            <a:r>
+              <a:rPr lang="de-DE" dirty="0"/>
+              <a:t> </a:t>
+            </a:r>
+            <a:r>
+              <a:rPr lang="de-DE" dirty="0" smtClean="0"/>
+              <a:t>&amp; Problem</a:t>
+            </a:r>
+            <a:endParaRPr lang="de-DE" dirty="0"/>
+          </a:p>
+        </p:txBody>
+      </p:sp>
+      <p:sp>
+        <p:nvSpPr>
+          <p:cNvPr id="3" name="Content Placeholder 2"/>
+          <p:cNvSpPr>
+            <a:spLocks noGrp="1"/>
+          </p:cNvSpPr>
+          <p:nvPr>
+            <p:ph sz="quarter" idx="1"/>
+          </p:nvPr>
+        </p:nvSpPr>
+        <p:spPr/>
+        <p:txBody>
+          <a:bodyPr/>
+          <a:lstStyle/>
+          <a:p>
+            <a:pPr>
+              <a:lnSpc>
+                <a:spcPct val="150000"/>
+              </a:lnSpc>
+            </a:pPr>
+            <a:r>
+              <a:rPr lang="de-DE" dirty="0" smtClean="0"/>
+              <a:t>Lack </a:t>
+            </a:r>
+            <a:r>
+              <a:rPr lang="de-DE" dirty="0" err="1" smtClean="0"/>
+              <a:t>of</a:t>
+            </a:r>
+            <a:r>
+              <a:rPr lang="de-DE" dirty="0" smtClean="0"/>
+              <a:t> </a:t>
+            </a:r>
+            <a:r>
+              <a:rPr lang="de-DE" dirty="0" err="1" smtClean="0"/>
+              <a:t>ideas</a:t>
+            </a:r>
+            <a:r>
+              <a:rPr lang="de-DE" dirty="0" smtClean="0"/>
+              <a:t> </a:t>
+            </a:r>
+            <a:r>
+              <a:rPr lang="de-DE" dirty="0" err="1" smtClean="0"/>
+              <a:t>for</a:t>
+            </a:r>
+            <a:r>
+              <a:rPr lang="de-DE" dirty="0" smtClean="0"/>
+              <a:t> </a:t>
+            </a:r>
+            <a:r>
+              <a:rPr lang="de-DE" dirty="0" err="1" smtClean="0"/>
+              <a:t>activities</a:t>
+            </a:r>
+            <a:endParaRPr lang="de-DE" dirty="0" smtClean="0"/>
+          </a:p>
+          <a:p>
+            <a:pPr>
+              <a:lnSpc>
+                <a:spcPct val="150000"/>
+              </a:lnSpc>
+            </a:pPr>
+            <a:r>
+              <a:rPr lang="de-DE" dirty="0" err="1" smtClean="0"/>
+              <a:t>Approx</a:t>
+            </a:r>
+            <a:r>
+              <a:rPr lang="de-DE" dirty="0" smtClean="0"/>
+              <a:t>. 58 </a:t>
+            </a:r>
+            <a:r>
+              <a:rPr lang="de-DE" dirty="0" err="1" smtClean="0"/>
+              <a:t>million</a:t>
+            </a:r>
+            <a:r>
+              <a:rPr lang="de-DE" dirty="0" smtClean="0"/>
+              <a:t> </a:t>
+            </a:r>
+            <a:r>
+              <a:rPr lang="de-DE" dirty="0" err="1" smtClean="0"/>
+              <a:t>tweets</a:t>
+            </a:r>
+            <a:r>
+              <a:rPr lang="de-DE" dirty="0" smtClean="0"/>
+              <a:t> per </a:t>
+            </a:r>
+            <a:r>
+              <a:rPr lang="de-DE" dirty="0" err="1" smtClean="0"/>
+              <a:t>day</a:t>
+            </a:r>
+            <a:endParaRPr lang="de-DE" dirty="0" smtClean="0"/>
+          </a:p>
+          <a:p>
+            <a:pPr>
+              <a:lnSpc>
+                <a:spcPct val="150000"/>
+              </a:lnSpc>
+            </a:pPr>
+            <a:r>
+              <a:rPr lang="de-DE" dirty="0" err="1" smtClean="0"/>
+              <a:t>Suggest</a:t>
+            </a:r>
+            <a:r>
+              <a:rPr lang="de-DE" dirty="0" smtClean="0"/>
+              <a:t> </a:t>
+            </a:r>
+            <a:r>
+              <a:rPr lang="de-DE" dirty="0" err="1" smtClean="0"/>
+              <a:t>activities</a:t>
+            </a:r>
+            <a:r>
+              <a:rPr lang="de-DE" dirty="0" smtClean="0"/>
+              <a:t> </a:t>
+            </a:r>
+            <a:r>
+              <a:rPr lang="de-DE" dirty="0" err="1" smtClean="0"/>
+              <a:t>for</a:t>
+            </a:r>
+            <a:r>
+              <a:rPr lang="de-DE" dirty="0" smtClean="0"/>
+              <a:t> a </a:t>
+            </a:r>
+            <a:r>
+              <a:rPr lang="de-DE" dirty="0" err="1" smtClean="0"/>
+              <a:t>given</a:t>
+            </a:r>
+            <a:r>
+              <a:rPr lang="de-DE" dirty="0" smtClean="0"/>
+              <a:t> </a:t>
+            </a:r>
+            <a:r>
+              <a:rPr lang="de-DE" dirty="0" err="1" smtClean="0"/>
+              <a:t>location</a:t>
+            </a:r>
+            <a:endParaRPr lang="de-DE" dirty="0" smtClean="0"/>
+          </a:p>
+          <a:p>
+            <a:pPr>
+              <a:lnSpc>
+                <a:spcPct val="150000"/>
+              </a:lnSpc>
+            </a:pPr>
+            <a:r>
+              <a:rPr lang="de-DE" dirty="0" smtClean="0"/>
+              <a:t>Support </a:t>
+            </a:r>
+            <a:r>
+              <a:rPr lang="de-DE" dirty="0" err="1" smtClean="0"/>
+              <a:t>planning</a:t>
+            </a:r>
+            <a:r>
+              <a:rPr lang="de-DE" dirty="0" smtClean="0"/>
+              <a:t> </a:t>
+            </a:r>
+            <a:r>
+              <a:rPr lang="de-DE" dirty="0" err="1" smtClean="0"/>
+              <a:t>of</a:t>
+            </a:r>
+            <a:r>
+              <a:rPr lang="de-DE" dirty="0" smtClean="0"/>
+              <a:t> </a:t>
+            </a:r>
+            <a:r>
+              <a:rPr lang="de-DE" dirty="0" err="1" smtClean="0"/>
+              <a:t>leisure</a:t>
+            </a:r>
+            <a:r>
+              <a:rPr lang="de-DE" dirty="0" smtClean="0"/>
+              <a:t> time</a:t>
+            </a:r>
+          </a:p>
+          <a:p>
+            <a:pPr>
+              <a:lnSpc>
+                <a:spcPct val="150000"/>
+              </a:lnSpc>
+            </a:pPr>
+            <a:endParaRPr lang="de-DE" dirty="0" smtClean="0"/>
+          </a:p>
+          <a:p>
+            <a:endParaRPr lang="de-DE" dirty="0"/>
+          </a:p>
+        </p:txBody>
+      </p:sp>
+      <p:pic>
+        <p:nvPicPr>
+          <p:cNvPr id="2051" name="Picture 3"/>
+          <p:cNvPicPr>
+            <a:picLocks noChangeAspect="1" noChangeArrowheads="1"/>
+          </p:cNvPicPr>
+          <p:nvPr/>
+        </p:nvPicPr>
+        <p:blipFill>
+          <a:blip r:embed="rId2" cstate="print">
+            <a:clrChange>
+              <a:clrFrom>
+                <a:srgbClr val="FFFFFF"/>
+              </a:clrFrom>
+              <a:clrTo>
+                <a:srgbClr val="FFFFFF">
+                  <a:alpha val="0"/>
+                </a:srgbClr>
+              </a:clrTo>
+            </a:clrChange>
+            <a:extLst>
+              <a:ext uri="{28A0092B-C50C-407E-A947-70E740481C1C}">
+                <a14:useLocalDpi xmlns:a14="http://schemas.microsoft.com/office/drawing/2010/main" val="0"/>
+              </a:ext>
+            </a:extLst>
+          </a:blip>
+          <a:srcRect/>
+          <a:stretch>
+            <a:fillRect/>
+          </a:stretch>
+        </p:blipFill>
+        <p:spPr bwMode="auto">
+          <a:xfrm>
+            <a:off x="6660232" y="2004129"/>
+            <a:ext cx="1291394" cy="1136839"/>
           </a:xfrm>
           <a:prstGeom prst="rect">
             <a:avLst/>
@@ -6770,16 +7068,53 @@
           </a:extLst>
         </p:spPr>
       </p:pic>
-      <p:sp>
-        <p:nvSpPr>
-          <p:cNvPr id="5" name="Rectangle 4"/>
+    </p:spTree>
+    <p:extLst>
+      <p:ext uri="{BB962C8B-B14F-4D97-AF65-F5344CB8AC3E}">
+        <p14:creationId xmlns:p14="http://schemas.microsoft.com/office/powerpoint/2010/main" val="1303404804"/>
+      </p:ext>
+    </p:extLst>
+  </p:cSld>
+  <p:clrMapOvr>
+    <a:masterClrMapping/>
+  </p:clrMapOvr>
+  <p:timing>
+    <p:tnLst>
+      <p:par>
+        <p:cTn id="1" dur="indefinite" restart="never" nodeType="tmRoot"/>
+      </p:par>
+    </p:tnLst>
+  </p:timing>
+</p:sld>
+</file>
+
+<file path=ppt/slides/slide3.xml><?xml version="1.0" encoding="utf-8"?>
+<p:sld xmlns:a="http://schemas.openxmlformats.org/drawingml/2006/main" xmlns:r="http://schemas.openxmlformats.org/officeDocument/2006/relationships" xmlns:p="http://schemas.openxmlformats.org/presentationml/2006/main" showMasterSp="0">
+  <p:cSld>
+    <p:spTree>
+      <p:nvGrpSpPr>
+        <p:cNvPr id="1" name=""/>
+        <p:cNvGrpSpPr/>
+        <p:nvPr/>
+      </p:nvGrpSpPr>
+      <p:grpSpPr>
+        <a:xfrm>
+          <a:off x="0" y="0"/>
+          <a:ext cx="0" cy="0"/>
+          <a:chOff x="0" y="0"/>
+          <a:chExt cx="0" cy="0"/>
+        </a:xfrm>
+      </p:grpSpPr>
+      <p:sp>
+        <p:nvSpPr>
+          <p:cNvPr id="9" name="Rectangle 8"/>
           <p:cNvSpPr/>
           <p:nvPr/>
         </p:nvSpPr>
         <p:spPr>
           <a:xfrm>
-            <a:off x="2319748" y="0"/>
-            <a:ext cx="4004738" cy="1228725"/>
+            <a:off x="-162272" y="764704"/>
+            <a:ext cx="10998968" cy="1656184"/>
           </a:xfrm>
           <a:prstGeom prst="rect">
             <a:avLst/>
@@ -6816,43 +7151,98 @@
           </a:p>
         </p:txBody>
       </p:sp>
-    </p:spTree>
-    <p:extLst>
-      <p:ext uri="{BB962C8B-B14F-4D97-AF65-F5344CB8AC3E}">
-        <p14:creationId xmlns:p14="http://schemas.microsoft.com/office/powerpoint/2010/main" val="1956584296"/>
-      </p:ext>
-    </p:extLst>
-  </p:cSld>
-  <p:clrMapOvr>
-    <a:masterClrMapping/>
-  </p:clrMapOvr>
-  <p:timing>
-    <p:tnLst>
-      <p:par>
-        <p:cTn id="1" dur="indefinite" restart="never" nodeType="tmRoot"/>
-      </p:par>
-    </p:tnLst>
-  </p:timing>
-</p:sld>
-</file>
-
-<file path=ppt/slides/slide2.xml><?xml version="1.0" encoding="utf-8"?>
-<p:sld xmlns:a="http://schemas.openxmlformats.org/drawingml/2006/main" xmlns:r="http://schemas.openxmlformats.org/officeDocument/2006/relationships" xmlns:p="http://schemas.openxmlformats.org/presentationml/2006/main">
-  <p:cSld>
-    <p:spTree>
-      <p:nvGrpSpPr>
-        <p:cNvPr id="1" name=""/>
-        <p:cNvGrpSpPr/>
-        <p:nvPr/>
-      </p:nvGrpSpPr>
-      <p:grpSpPr>
-        <a:xfrm>
-          <a:off x="0" y="0"/>
-          <a:ext cx="0" cy="0"/>
-          <a:chOff x="0" y="0"/>
-          <a:chExt cx="0" cy="0"/>
-        </a:xfrm>
-      </p:grpSpPr>
+      <p:sp>
+        <p:nvSpPr>
+          <p:cNvPr id="7" name="Rectangle 6"/>
+          <p:cNvSpPr/>
+          <p:nvPr/>
+        </p:nvSpPr>
+        <p:spPr>
+          <a:xfrm rot="5400000">
+            <a:off x="-5099782" y="2371589"/>
+            <a:ext cx="10630594" cy="504056"/>
+          </a:xfrm>
+          <a:prstGeom prst="rect">
+            <a:avLst/>
+          </a:prstGeom>
+          <a:solidFill>
+            <a:schemeClr val="bg1"/>
+          </a:solidFill>
+          <a:ln>
+            <a:noFill/>
+          </a:ln>
+        </p:spPr>
+        <p:style>
+          <a:lnRef idx="2">
+            <a:schemeClr val="accent1">
+              <a:shade val="50000"/>
+            </a:schemeClr>
+          </a:lnRef>
+          <a:fillRef idx="1">
+            <a:schemeClr val="accent1"/>
+          </a:fillRef>
+          <a:effectRef idx="0">
+            <a:schemeClr val="accent1"/>
+          </a:effectRef>
+          <a:fontRef idx="minor">
+            <a:schemeClr val="lt1"/>
+          </a:fontRef>
+        </p:style>
+        <p:txBody>
+          <a:bodyPr rtlCol="0" anchor="ctr"/>
+          <a:lstStyle/>
+          <a:p>
+            <a:pPr algn="ctr"/>
+            <a:endParaRPr lang="de-DE"/>
+          </a:p>
+        </p:txBody>
+      </p:sp>
+      <p:sp>
+        <p:nvSpPr>
+          <p:cNvPr id="4" name="Rectangle 3"/>
+          <p:cNvSpPr/>
+          <p:nvPr/>
+        </p:nvSpPr>
+        <p:spPr>
+          <a:xfrm>
+            <a:off x="-324544" y="5373216"/>
+            <a:ext cx="10630594" cy="1944216"/>
+          </a:xfrm>
+          <a:prstGeom prst="rect">
+            <a:avLst/>
+          </a:prstGeom>
+          <a:solidFill>
+            <a:schemeClr val="bg1"/>
+          </a:solidFill>
+          <a:ln>
+            <a:noFill/>
+          </a:ln>
+        </p:spPr>
+        <p:style>
+          <a:lnRef idx="2">
+            <a:schemeClr val="accent1">
+              <a:shade val="50000"/>
+            </a:schemeClr>
+          </a:lnRef>
+          <a:fillRef idx="1">
+            <a:schemeClr val="accent1"/>
+          </a:fillRef>
+          <a:effectRef idx="0">
+            <a:schemeClr val="accent1"/>
+          </a:effectRef>
+          <a:fontRef idx="minor">
+            <a:schemeClr val="lt1"/>
+          </a:fontRef>
+        </p:style>
+        <p:txBody>
+          <a:bodyPr rtlCol="0" anchor="ctr"/>
+          <a:lstStyle/>
+          <a:p>
+            <a:pPr algn="ctr"/>
+            <a:endParaRPr lang="de-DE"/>
+          </a:p>
+        </p:txBody>
+      </p:sp>
       <p:sp>
         <p:nvSpPr>
           <p:cNvPr id="2" name="Title 1"/>
@@ -6872,14 +7262,6 @@
               <a:rPr lang="de-DE" dirty="0" smtClean="0"/>
               <a:t>Motivation</a:t>
             </a:r>
-            <a:r>
-              <a:rPr lang="de-DE" dirty="0"/>
-              <a:t> </a:t>
-            </a:r>
-            <a:r>
-              <a:rPr lang="de-DE" dirty="0" smtClean="0"/>
-              <a:t>&amp; Problem</a:t>
-            </a:r>
             <a:endParaRPr lang="de-DE" dirty="0"/>
           </a:p>
         </p:txBody>
@@ -6899,183 +7281,30 @@
           <a:bodyPr/>
           <a:lstStyle/>
           <a:p>
-            <a:pPr>
-              <a:lnSpc>
-                <a:spcPct val="150000"/>
-              </a:lnSpc>
-            </a:pPr>
-            <a:r>
-              <a:rPr lang="de-DE" dirty="0" smtClean="0"/>
-              <a:t>Lack </a:t>
-            </a:r>
-            <a:r>
-              <a:rPr lang="de-DE" dirty="0" err="1" smtClean="0"/>
-              <a:t>of</a:t>
-            </a:r>
-            <a:r>
-              <a:rPr lang="de-DE" dirty="0" smtClean="0"/>
-              <a:t> </a:t>
-            </a:r>
-            <a:r>
-              <a:rPr lang="de-DE" dirty="0" err="1" smtClean="0"/>
-              <a:t>ideas</a:t>
-            </a:r>
-            <a:r>
-              <a:rPr lang="de-DE" dirty="0" smtClean="0"/>
-              <a:t> </a:t>
-            </a:r>
-            <a:r>
-              <a:rPr lang="de-DE" dirty="0" err="1" smtClean="0"/>
-              <a:t>for</a:t>
-            </a:r>
-            <a:r>
-              <a:rPr lang="de-DE" dirty="0" smtClean="0"/>
-              <a:t> </a:t>
-            </a:r>
-            <a:r>
-              <a:rPr lang="de-DE" dirty="0" err="1" smtClean="0"/>
-              <a:t>activities</a:t>
-            </a:r>
-            <a:endParaRPr lang="de-DE" dirty="0" smtClean="0"/>
-          </a:p>
-          <a:p>
-            <a:pPr>
-              <a:lnSpc>
-                <a:spcPct val="150000"/>
-              </a:lnSpc>
-            </a:pPr>
-            <a:r>
-              <a:rPr lang="de-DE" dirty="0" err="1" smtClean="0"/>
-              <a:t>Approx</a:t>
-            </a:r>
-            <a:r>
-              <a:rPr lang="de-DE" dirty="0" smtClean="0"/>
-              <a:t>. 58 </a:t>
-            </a:r>
-            <a:r>
-              <a:rPr lang="de-DE" dirty="0" err="1" smtClean="0"/>
-              <a:t>million</a:t>
-            </a:r>
-            <a:r>
-              <a:rPr lang="de-DE" dirty="0" smtClean="0"/>
-              <a:t> </a:t>
-            </a:r>
-            <a:r>
-              <a:rPr lang="de-DE" dirty="0" err="1" smtClean="0"/>
-              <a:t>tweets</a:t>
-            </a:r>
-            <a:r>
-              <a:rPr lang="de-DE" dirty="0" smtClean="0"/>
-              <a:t> per </a:t>
-            </a:r>
-            <a:r>
-              <a:rPr lang="de-DE" dirty="0" err="1" smtClean="0"/>
-              <a:t>day</a:t>
-            </a:r>
-            <a:endParaRPr lang="de-DE" dirty="0" smtClean="0"/>
-          </a:p>
-          <a:p>
-            <a:pPr>
-              <a:lnSpc>
-                <a:spcPct val="150000"/>
-              </a:lnSpc>
-            </a:pPr>
-            <a:r>
-              <a:rPr lang="de-DE" dirty="0" err="1" smtClean="0"/>
-              <a:t>Suggest</a:t>
-            </a:r>
-            <a:r>
-              <a:rPr lang="de-DE" dirty="0" smtClean="0"/>
-              <a:t> </a:t>
-            </a:r>
-            <a:r>
-              <a:rPr lang="de-DE" dirty="0" err="1" smtClean="0"/>
-              <a:t>activities</a:t>
-            </a:r>
-            <a:r>
-              <a:rPr lang="de-DE" dirty="0" smtClean="0"/>
-              <a:t> </a:t>
-            </a:r>
-            <a:r>
-              <a:rPr lang="de-DE" dirty="0" err="1" smtClean="0"/>
-              <a:t>for</a:t>
-            </a:r>
-            <a:r>
-              <a:rPr lang="de-DE" dirty="0" smtClean="0"/>
-              <a:t> a </a:t>
-            </a:r>
-            <a:r>
-              <a:rPr lang="de-DE" dirty="0" err="1" smtClean="0"/>
-              <a:t>given</a:t>
-            </a:r>
-            <a:r>
-              <a:rPr lang="de-DE" dirty="0" smtClean="0"/>
-              <a:t> </a:t>
-            </a:r>
-            <a:r>
-              <a:rPr lang="de-DE" dirty="0" err="1" smtClean="0"/>
-              <a:t>location</a:t>
-            </a:r>
-            <a:endParaRPr lang="de-DE" dirty="0" smtClean="0"/>
-          </a:p>
-          <a:p>
-            <a:pPr>
-              <a:lnSpc>
-                <a:spcPct val="150000"/>
-              </a:lnSpc>
-            </a:pPr>
-            <a:r>
-              <a:rPr lang="de-DE" dirty="0" smtClean="0"/>
-              <a:t>Support </a:t>
-            </a:r>
-            <a:r>
-              <a:rPr lang="de-DE" dirty="0" err="1" smtClean="0"/>
-              <a:t>planning</a:t>
-            </a:r>
-            <a:r>
-              <a:rPr lang="de-DE" dirty="0" smtClean="0"/>
-              <a:t> </a:t>
-            </a:r>
-            <a:r>
-              <a:rPr lang="de-DE" dirty="0" err="1" smtClean="0"/>
-              <a:t>of</a:t>
-            </a:r>
-            <a:r>
-              <a:rPr lang="de-DE" dirty="0" smtClean="0"/>
-              <a:t> </a:t>
-            </a:r>
-            <a:r>
-              <a:rPr lang="de-DE" dirty="0" err="1" smtClean="0"/>
-              <a:t>leisure</a:t>
-            </a:r>
-            <a:r>
-              <a:rPr lang="de-DE" dirty="0" smtClean="0"/>
-              <a:t> time</a:t>
-            </a:r>
-          </a:p>
-          <a:p>
-            <a:pPr>
-              <a:lnSpc>
-                <a:spcPct val="150000"/>
-              </a:lnSpc>
-            </a:pPr>
-            <a:endParaRPr lang="de-DE" dirty="0" smtClean="0"/>
-          </a:p>
-          <a:p>
-            <a:endParaRPr lang="de-DE" dirty="0"/>
+            <a:endParaRPr lang="de-DE"/>
           </a:p>
         </p:txBody>
       </p:sp>
       <p:pic>
         <p:nvPicPr>
-          <p:cNvPr id="2051" name="Picture 3"/>
+          <p:cNvPr id="2050" name="Picture 2"/>
           <p:cNvPicPr>
             <a:picLocks noChangeAspect="1" noChangeArrowheads="1"/>
           </p:cNvPicPr>
           <p:nvPr/>
         </p:nvPicPr>
         <p:blipFill>
-          <a:blip r:embed="rId2" cstate="print">
+          <a:blip r:embed="rId3">
+            <a:clrChange>
+              <a:clrFrom>
+                <a:srgbClr val="FFFFFF"/>
+              </a:clrFrom>
+              <a:clrTo>
+                <a:srgbClr val="FFFFFF">
+                  <a:alpha val="0"/>
+                </a:srgbClr>
+              </a:clrTo>
+            </a:clrChange>
             <a:extLst>
               <a:ext uri="{28A0092B-C50C-407E-A947-70E740481C1C}">
                 <a14:useLocalDpi xmlns:a14="http://schemas.microsoft.com/office/drawing/2010/main" val="0"/>
@@ -7089,8 +7318,8 @@
         </p:blipFill>
         <p:spPr bwMode="auto">
           <a:xfrm>
-            <a:off x="6660232" y="2004129"/>
-            <a:ext cx="1291394" cy="1136839"/>
+            <a:off x="0" y="1700808"/>
+            <a:ext cx="10306050" cy="4629150"/>
           </a:xfrm>
           <a:prstGeom prst="rect">
             <a:avLst/>
@@ -7133,7 +7362,7 @@
     </p:spTree>
     <p:extLst>
       <p:ext uri="{BB962C8B-B14F-4D97-AF65-F5344CB8AC3E}">
-        <p14:creationId xmlns:p14="http://schemas.microsoft.com/office/powerpoint/2010/main" val="1303404804"/>
+        <p14:creationId xmlns:p14="http://schemas.microsoft.com/office/powerpoint/2010/main" val="118926249"/>
       </p:ext>
     </p:extLst>
   </p:cSld>
@@ -7150,8 +7379,8 @@
 </p:sld>
 </file>
 
-<file path=ppt/slides/slide3.xml><?xml version="1.0" encoding="utf-8"?>
-<p:sld xmlns:a="http://schemas.openxmlformats.org/drawingml/2006/main" xmlns:r="http://schemas.openxmlformats.org/officeDocument/2006/relationships" xmlns:p="http://schemas.openxmlformats.org/presentationml/2006/main">
+<file path=ppt/slides/slide4.xml><?xml version="1.0" encoding="utf-8"?>
+<p:sld xmlns:a="http://schemas.openxmlformats.org/drawingml/2006/main" xmlns:r="http://schemas.openxmlformats.org/officeDocument/2006/relationships" xmlns:p="http://schemas.openxmlformats.org/presentationml/2006/main" showMasterSp="0">
   <p:cSld>
     <p:spTree>
       <p:nvGrpSpPr>
@@ -7183,8 +7412,8 @@
           <a:lstStyle/>
           <a:p>
             <a:r>
-              <a:rPr lang="de-DE" dirty="0" smtClean="0"/>
-              <a:t>Motivation</a:t>
+              <a:rPr lang="de-DE" dirty="0" err="1" smtClean="0"/>
+              <a:t>Idea</a:t>
             </a:r>
             <a:endParaRPr lang="de-DE" dirty="0"/>
           </a:p>
@@ -7205,20 +7434,476 @@
           <a:bodyPr/>
           <a:lstStyle/>
           <a:p>
-            <a:endParaRPr lang="de-DE"/>
+            <a:pPr>
+              <a:lnSpc>
+                <a:spcPct val="150000"/>
+              </a:lnSpc>
+            </a:pPr>
+            <a:r>
+              <a:rPr lang="de-DE" dirty="0" smtClean="0"/>
+              <a:t>Connect </a:t>
+            </a:r>
+            <a:r>
+              <a:rPr lang="de-DE" dirty="0" err="1" smtClean="0"/>
+              <a:t>activity</a:t>
+            </a:r>
+            <a:r>
+              <a:rPr lang="de-DE" dirty="0" smtClean="0"/>
+              <a:t> </a:t>
+            </a:r>
+            <a:r>
+              <a:rPr lang="de-DE" dirty="0" err="1" smtClean="0"/>
+              <a:t>tweets</a:t>
+            </a:r>
+            <a:r>
+              <a:rPr lang="de-DE" dirty="0" smtClean="0"/>
+              <a:t> </a:t>
+            </a:r>
+            <a:r>
+              <a:rPr lang="de-DE" dirty="0" err="1" smtClean="0"/>
+              <a:t>with</a:t>
+            </a:r>
+            <a:endParaRPr lang="de-DE" dirty="0" smtClean="0"/>
+          </a:p>
+          <a:p>
+            <a:pPr lvl="1">
+              <a:lnSpc>
+                <a:spcPct val="150000"/>
+              </a:lnSpc>
+            </a:pPr>
+            <a:r>
+              <a:rPr lang="de-DE" dirty="0" err="1" smtClean="0"/>
+              <a:t>Historic</a:t>
+            </a:r>
+            <a:r>
+              <a:rPr lang="de-DE" dirty="0" smtClean="0"/>
+              <a:t> </a:t>
+            </a:r>
+            <a:r>
+              <a:rPr lang="de-DE" dirty="0" err="1" smtClean="0"/>
+              <a:t>weather</a:t>
+            </a:r>
+            <a:endParaRPr lang="de-DE" dirty="0" smtClean="0"/>
+          </a:p>
+          <a:p>
+            <a:pPr lvl="1">
+              <a:lnSpc>
+                <a:spcPct val="150000"/>
+              </a:lnSpc>
+            </a:pPr>
+            <a:r>
+              <a:rPr lang="de-DE" dirty="0" err="1" smtClean="0"/>
+              <a:t>Geographical</a:t>
+            </a:r>
+            <a:r>
+              <a:rPr lang="de-DE" dirty="0" smtClean="0"/>
+              <a:t> </a:t>
+            </a:r>
+            <a:r>
+              <a:rPr lang="de-DE" dirty="0" err="1" smtClean="0"/>
+              <a:t>location</a:t>
+            </a:r>
+            <a:endParaRPr lang="de-DE" dirty="0"/>
+          </a:p>
+          <a:p>
+            <a:pPr>
+              <a:lnSpc>
+                <a:spcPct val="150000"/>
+              </a:lnSpc>
+            </a:pPr>
+            <a:r>
+              <a:rPr lang="de-DE" dirty="0" smtClean="0"/>
+              <a:t>Learning </a:t>
+            </a:r>
+            <a:r>
+              <a:rPr lang="de-DE" dirty="0" err="1" smtClean="0"/>
+              <a:t>process</a:t>
+            </a:r>
+            <a:r>
+              <a:rPr lang="de-DE" dirty="0" smtClean="0"/>
+              <a:t> </a:t>
+            </a:r>
+            <a:r>
+              <a:rPr lang="de-DE" dirty="0" err="1" smtClean="0"/>
+              <a:t>of</a:t>
+            </a:r>
+            <a:r>
+              <a:rPr lang="de-DE" dirty="0" smtClean="0"/>
+              <a:t> </a:t>
+            </a:r>
+            <a:r>
+              <a:rPr lang="de-DE" dirty="0" err="1" smtClean="0"/>
+              <a:t>relationship</a:t>
+            </a:r>
+            <a:r>
+              <a:rPr lang="de-DE" dirty="0" smtClean="0"/>
+              <a:t> </a:t>
+            </a:r>
+            <a:r>
+              <a:rPr lang="de-DE" dirty="0" err="1" smtClean="0"/>
+              <a:t>between</a:t>
+            </a:r>
+            <a:r>
+              <a:rPr lang="de-DE" dirty="0" smtClean="0"/>
+              <a:t> </a:t>
+            </a:r>
+            <a:r>
+              <a:rPr lang="de-DE" dirty="0" err="1" smtClean="0"/>
+              <a:t>weather</a:t>
+            </a:r>
+            <a:r>
+              <a:rPr lang="de-DE" dirty="0" smtClean="0"/>
+              <a:t> </a:t>
+            </a:r>
+            <a:r>
+              <a:rPr lang="de-DE" dirty="0" err="1" smtClean="0"/>
+              <a:t>and</a:t>
+            </a:r>
+            <a:r>
+              <a:rPr lang="de-DE" dirty="0" smtClean="0"/>
+              <a:t> </a:t>
+            </a:r>
+            <a:r>
+              <a:rPr lang="de-DE" dirty="0" err="1" smtClean="0"/>
+              <a:t>activities</a:t>
+            </a:r>
+            <a:endParaRPr lang="de-DE" dirty="0" smtClean="0"/>
+          </a:p>
+          <a:p>
+            <a:pPr>
+              <a:lnSpc>
+                <a:spcPct val="150000"/>
+              </a:lnSpc>
+            </a:pPr>
+            <a:r>
+              <a:rPr lang="de-DE" dirty="0" err="1" smtClean="0"/>
+              <a:t>Predict</a:t>
+            </a:r>
+            <a:r>
+              <a:rPr lang="de-DE" dirty="0" smtClean="0"/>
+              <a:t> </a:t>
+            </a:r>
+            <a:r>
+              <a:rPr lang="de-DE" dirty="0" err="1" smtClean="0"/>
+              <a:t>preferred</a:t>
+            </a:r>
+            <a:r>
+              <a:rPr lang="de-DE" dirty="0" smtClean="0"/>
+              <a:t> </a:t>
+            </a:r>
+            <a:r>
+              <a:rPr lang="de-DE" dirty="0" err="1" smtClean="0"/>
+              <a:t>activities</a:t>
+            </a:r>
+            <a:r>
+              <a:rPr lang="de-DE" dirty="0" smtClean="0"/>
+              <a:t> </a:t>
+            </a:r>
+            <a:r>
+              <a:rPr lang="de-DE" dirty="0" err="1" smtClean="0"/>
+              <a:t>for</a:t>
+            </a:r>
+            <a:r>
+              <a:rPr lang="de-DE" dirty="0" smtClean="0"/>
+              <a:t> a </a:t>
+            </a:r>
+            <a:r>
+              <a:rPr lang="de-DE" dirty="0" err="1" smtClean="0"/>
+              <a:t>given</a:t>
+            </a:r>
+            <a:r>
+              <a:rPr lang="de-DE" dirty="0" smtClean="0"/>
+              <a:t> </a:t>
+            </a:r>
+            <a:r>
+              <a:rPr lang="de-DE" dirty="0" err="1" smtClean="0"/>
+              <a:t>date</a:t>
+            </a:r>
+            <a:r>
+              <a:rPr lang="de-DE" dirty="0" smtClean="0"/>
+              <a:t> </a:t>
+            </a:r>
+            <a:r>
+              <a:rPr lang="de-DE" dirty="0" err="1" smtClean="0"/>
+              <a:t>related</a:t>
+            </a:r>
+            <a:r>
+              <a:rPr lang="de-DE" dirty="0" smtClean="0"/>
+              <a:t> </a:t>
+            </a:r>
+            <a:r>
+              <a:rPr lang="de-DE" dirty="0" err="1" smtClean="0"/>
+              <a:t>to</a:t>
+            </a:r>
+            <a:r>
+              <a:rPr lang="de-DE" dirty="0" smtClean="0"/>
+              <a:t> </a:t>
+            </a:r>
+            <a:r>
+              <a:rPr lang="de-DE" dirty="0" err="1" smtClean="0"/>
+              <a:t>weather</a:t>
+            </a:r>
+            <a:r>
+              <a:rPr lang="de-DE" dirty="0" smtClean="0"/>
+              <a:t> </a:t>
+            </a:r>
+            <a:r>
+              <a:rPr lang="de-DE" dirty="0" err="1" smtClean="0"/>
+              <a:t>forecast</a:t>
+            </a:r>
+            <a:endParaRPr lang="de-DE" dirty="0" smtClean="0"/>
+          </a:p>
+          <a:p>
+            <a:pPr marL="0" indent="0">
+              <a:buNone/>
+            </a:pPr>
+            <a:endParaRPr lang="de-DE" dirty="0" smtClean="0"/>
+          </a:p>
+          <a:p>
+            <a:endParaRPr lang="de-DE" dirty="0"/>
+          </a:p>
+        </p:txBody>
+      </p:sp>
+    </p:spTree>
+    <p:extLst>
+      <p:ext uri="{BB962C8B-B14F-4D97-AF65-F5344CB8AC3E}">
+        <p14:creationId xmlns:p14="http://schemas.microsoft.com/office/powerpoint/2010/main" val="3211264886"/>
+      </p:ext>
+    </p:extLst>
+  </p:cSld>
+  <p:clrMapOvr>
+    <a:masterClrMapping/>
+  </p:clrMapOvr>
+  <p:timing>
+    <p:tnLst>
+      <p:par>
+        <p:cTn id="1" dur="indefinite" restart="never" nodeType="tmRoot"/>
+      </p:par>
+    </p:tnLst>
+  </p:timing>
+</p:sld>
+</file>
+
+<file path=ppt/slides/slide5.xml><?xml version="1.0" encoding="utf-8"?>
+<p:sld xmlns:a="http://schemas.openxmlformats.org/drawingml/2006/main" xmlns:r="http://schemas.openxmlformats.org/officeDocument/2006/relationships" xmlns:p="http://schemas.openxmlformats.org/presentationml/2006/main" showMasterSp="0">
+  <p:cSld>
+    <p:spTree>
+      <p:nvGrpSpPr>
+        <p:cNvPr id="1" name=""/>
+        <p:cNvGrpSpPr/>
+        <p:nvPr/>
+      </p:nvGrpSpPr>
+      <p:grpSpPr>
+        <a:xfrm>
+          <a:off x="0" y="0"/>
+          <a:ext cx="0" cy="0"/>
+          <a:chOff x="0" y="0"/>
+          <a:chExt cx="0" cy="0"/>
+        </a:xfrm>
+      </p:grpSpPr>
+      <p:sp>
+        <p:nvSpPr>
+          <p:cNvPr id="2" name="Title 1"/>
+          <p:cNvSpPr>
+            <a:spLocks noGrp="1"/>
+          </p:cNvSpPr>
+          <p:nvPr>
+            <p:ph type="title"/>
+          </p:nvPr>
+        </p:nvSpPr>
+        <p:spPr/>
+        <p:txBody>
+          <a:bodyPr/>
+          <a:lstStyle/>
+          <a:p>
+            <a:r>
+              <a:rPr lang="de-DE" dirty="0" smtClean="0"/>
+              <a:t>Data </a:t>
+            </a:r>
+            <a:r>
+              <a:rPr lang="de-DE" dirty="0" err="1"/>
+              <a:t>S</a:t>
+            </a:r>
+            <a:r>
+              <a:rPr lang="de-DE" dirty="0" err="1" smtClean="0"/>
+              <a:t>ources</a:t>
+            </a:r>
+            <a:endParaRPr lang="de-DE" dirty="0"/>
+          </a:p>
+        </p:txBody>
+      </p:sp>
+      <p:sp>
+        <p:nvSpPr>
+          <p:cNvPr id="3" name="Content Placeholder 2"/>
+          <p:cNvSpPr>
+            <a:spLocks noGrp="1"/>
+          </p:cNvSpPr>
+          <p:nvPr>
+            <p:ph sz="quarter" idx="1"/>
+          </p:nvPr>
+        </p:nvSpPr>
+        <p:spPr/>
+        <p:txBody>
+          <a:bodyPr/>
+          <a:lstStyle/>
+          <a:p>
+            <a:pPr>
+              <a:lnSpc>
+                <a:spcPct val="150000"/>
+              </a:lnSpc>
+            </a:pPr>
+            <a:r>
+              <a:rPr lang="de-DE" dirty="0" err="1" smtClean="0"/>
+              <a:t>Persisted</a:t>
+            </a:r>
+            <a:r>
+              <a:rPr lang="de-DE" dirty="0" smtClean="0"/>
+              <a:t> </a:t>
+            </a:r>
+            <a:r>
+              <a:rPr lang="de-DE" dirty="0" err="1" smtClean="0"/>
+              <a:t>data</a:t>
+            </a:r>
+            <a:endParaRPr lang="de-DE" dirty="0" smtClean="0"/>
+          </a:p>
+          <a:p>
+            <a:pPr lvl="1">
+              <a:lnSpc>
+                <a:spcPct val="150000"/>
+              </a:lnSpc>
+            </a:pPr>
+            <a:r>
+              <a:rPr lang="de-DE" dirty="0" smtClean="0"/>
+              <a:t>Twitter</a:t>
+            </a:r>
+          </a:p>
+          <a:p>
+            <a:pPr lvl="1">
+              <a:lnSpc>
+                <a:spcPct val="150000"/>
+              </a:lnSpc>
+            </a:pPr>
+            <a:r>
+              <a:rPr lang="de-DE" dirty="0" smtClean="0"/>
+              <a:t>Deutscher Wetterdienst </a:t>
+            </a:r>
+            <a:br>
+              <a:rPr lang="de-DE" dirty="0" smtClean="0"/>
+            </a:br>
+            <a:r>
+              <a:rPr lang="de-DE" dirty="0" smtClean="0"/>
+              <a:t>(</a:t>
+            </a:r>
+            <a:r>
+              <a:rPr lang="de-DE" dirty="0" err="1" smtClean="0"/>
+              <a:t>historic</a:t>
+            </a:r>
+            <a:r>
+              <a:rPr lang="de-DE" dirty="0" smtClean="0"/>
+              <a:t> </a:t>
+            </a:r>
+            <a:r>
+              <a:rPr lang="de-DE" dirty="0" err="1" smtClean="0"/>
+              <a:t>weather</a:t>
+            </a:r>
+            <a:r>
+              <a:rPr lang="de-DE" dirty="0"/>
+              <a:t> </a:t>
+            </a:r>
+            <a:r>
+              <a:rPr lang="de-DE" dirty="0" err="1" smtClean="0"/>
+              <a:t>data</a:t>
+            </a:r>
+            <a:r>
+              <a:rPr lang="de-DE" dirty="0" smtClean="0"/>
+              <a:t>)</a:t>
+            </a:r>
+          </a:p>
+          <a:p>
+            <a:pPr>
+              <a:lnSpc>
+                <a:spcPct val="150000"/>
+              </a:lnSpc>
+            </a:pPr>
+            <a:r>
+              <a:rPr lang="de-DE" dirty="0" smtClean="0"/>
+              <a:t>Live </a:t>
+            </a:r>
+            <a:r>
+              <a:rPr lang="de-DE" dirty="0" err="1" smtClean="0"/>
+              <a:t>data</a:t>
+            </a:r>
+            <a:endParaRPr lang="de-DE" dirty="0" smtClean="0"/>
+          </a:p>
+          <a:p>
+            <a:pPr lvl="1">
+              <a:lnSpc>
+                <a:spcPct val="150000"/>
+              </a:lnSpc>
+            </a:pPr>
+            <a:r>
+              <a:rPr lang="de-DE" dirty="0" smtClean="0"/>
+              <a:t>Forecast API (</a:t>
+            </a:r>
+            <a:r>
+              <a:rPr lang="de-DE" dirty="0" err="1" smtClean="0"/>
+              <a:t>weather</a:t>
+            </a:r>
+            <a:r>
+              <a:rPr lang="de-DE" dirty="0" smtClean="0"/>
+              <a:t> </a:t>
+            </a:r>
+            <a:r>
+              <a:rPr lang="de-DE" dirty="0" err="1" smtClean="0"/>
+              <a:t>forecast</a:t>
+            </a:r>
+            <a:r>
+              <a:rPr lang="de-DE" dirty="0" smtClean="0"/>
+              <a:t>)</a:t>
+            </a:r>
+          </a:p>
+          <a:p>
+            <a:pPr lvl="1">
+              <a:lnSpc>
+                <a:spcPct val="150000"/>
+              </a:lnSpc>
+            </a:pPr>
+            <a:r>
+              <a:rPr lang="de-DE" dirty="0" smtClean="0"/>
+              <a:t>Google </a:t>
+            </a:r>
+            <a:r>
+              <a:rPr lang="de-DE" dirty="0" err="1" smtClean="0"/>
+              <a:t>geolocation</a:t>
+            </a:r>
+            <a:r>
+              <a:rPr lang="de-DE" dirty="0" smtClean="0"/>
+              <a:t> API</a:t>
+            </a:r>
+            <a:endParaRPr lang="de-DE" dirty="0"/>
           </a:p>
         </p:txBody>
       </p:sp>
       <p:pic>
         <p:nvPicPr>
-          <p:cNvPr id="2050" name="Picture 2"/>
+          <p:cNvPr id="4" name="Picture 3"/>
           <p:cNvPicPr>
             <a:picLocks noChangeAspect="1" noChangeArrowheads="1"/>
           </p:cNvPicPr>
           <p:nvPr/>
         </p:nvPicPr>
         <p:blipFill>
-          <a:blip r:embed="rId3">
+          <a:blip r:embed="rId3" cstate="print">
+            <a:clrChange>
+              <a:clrFrom>
+                <a:srgbClr val="FFFFFF"/>
+              </a:clrFrom>
+              <a:clrTo>
+                <a:srgbClr val="FFFFFF">
+                  <a:alpha val="0"/>
+                </a:srgbClr>
+              </a:clrTo>
+            </a:clrChange>
             <a:extLst>
               <a:ext uri="{28A0092B-C50C-407E-A947-70E740481C1C}">
                 <a14:useLocalDpi xmlns:a14="http://schemas.microsoft.com/office/drawing/2010/main" val="0"/>
@@ -7232,8 +7917,8 @@
         </p:blipFill>
         <p:spPr bwMode="auto">
           <a:xfrm>
-            <a:off x="0" y="1700808"/>
-            <a:ext cx="10306050" cy="4629150"/>
+            <a:off x="2483768" y="2288338"/>
+            <a:ext cx="645697" cy="568420"/>
           </a:xfrm>
           <a:prstGeom prst="rect">
             <a:avLst/>
@@ -7273,587 +7958,26 @@
           </a:extLst>
         </p:spPr>
       </p:pic>
-      <p:sp>
-        <p:nvSpPr>
-          <p:cNvPr id="5" name="Rectangle 4"/>
-          <p:cNvSpPr/>
-          <p:nvPr/>
-        </p:nvSpPr>
-        <p:spPr>
-          <a:xfrm>
-            <a:off x="29344" y="6329958"/>
-            <a:ext cx="9114656" cy="528042"/>
-          </a:xfrm>
-          <a:prstGeom prst="rect">
-            <a:avLst/>
-          </a:prstGeom>
-          <a:solidFill>
-            <a:schemeClr val="bg1"/>
-          </a:solidFill>
-          <a:ln>
-            <a:noFill/>
-          </a:ln>
-        </p:spPr>
-        <p:style>
-          <a:lnRef idx="2">
-            <a:schemeClr val="accent1">
-              <a:shade val="50000"/>
-            </a:schemeClr>
-          </a:lnRef>
-          <a:fillRef idx="1">
-            <a:schemeClr val="accent1"/>
-          </a:fillRef>
-          <a:effectRef idx="0">
-            <a:schemeClr val="accent1"/>
-          </a:effectRef>
-          <a:fontRef idx="minor">
-            <a:schemeClr val="lt1"/>
-          </a:fontRef>
-        </p:style>
-        <p:txBody>
-          <a:bodyPr rtlCol="0" anchor="ctr"/>
-          <a:lstStyle/>
-          <a:p>
-            <a:pPr algn="ctr"/>
-            <a:endParaRPr lang="de-DE"/>
-          </a:p>
-        </p:txBody>
-      </p:sp>
-    </p:spTree>
-    <p:extLst>
-      <p:ext uri="{BB962C8B-B14F-4D97-AF65-F5344CB8AC3E}">
-        <p14:creationId xmlns:p14="http://schemas.microsoft.com/office/powerpoint/2010/main" val="118926249"/>
-      </p:ext>
-    </p:extLst>
-  </p:cSld>
-  <p:clrMapOvr>
-    <a:masterClrMapping/>
-  </p:clrMapOvr>
-  <p:timing>
-    <p:tnLst>
-      <p:par>
-        <p:cTn id="1" dur="indefinite" restart="never" nodeType="tmRoot"/>
-      </p:par>
-    </p:tnLst>
-  </p:timing>
-</p:sld>
-</file>
-
-<file path=ppt/slides/slide4.xml><?xml version="1.0" encoding="utf-8"?>
-<p:sld xmlns:a="http://schemas.openxmlformats.org/drawingml/2006/main" xmlns:r="http://schemas.openxmlformats.org/officeDocument/2006/relationships" xmlns:p="http://schemas.openxmlformats.org/presentationml/2006/main">
-  <p:cSld>
-    <p:spTree>
-      <p:nvGrpSpPr>
-        <p:cNvPr id="1" name=""/>
-        <p:cNvGrpSpPr/>
-        <p:nvPr/>
-      </p:nvGrpSpPr>
-      <p:grpSpPr>
-        <a:xfrm>
-          <a:off x="0" y="0"/>
-          <a:ext cx="0" cy="0"/>
-          <a:chOff x="0" y="0"/>
-          <a:chExt cx="0" cy="0"/>
-        </a:xfrm>
-      </p:grpSpPr>
-      <p:sp>
-        <p:nvSpPr>
-          <p:cNvPr id="2" name="Title 1"/>
-          <p:cNvSpPr>
-            <a:spLocks noGrp="1"/>
-          </p:cNvSpPr>
-          <p:nvPr>
-            <p:ph type="title"/>
-          </p:nvPr>
-        </p:nvSpPr>
-        <p:spPr/>
-        <p:txBody>
-          <a:bodyPr/>
-          <a:lstStyle/>
-          <a:p>
-            <a:r>
-              <a:rPr lang="de-DE" dirty="0" err="1" smtClean="0"/>
-              <a:t>Idea</a:t>
-            </a:r>
-            <a:endParaRPr lang="de-DE" dirty="0"/>
-          </a:p>
-        </p:txBody>
-      </p:sp>
-      <p:sp>
-        <p:nvSpPr>
-          <p:cNvPr id="3" name="Content Placeholder 2"/>
-          <p:cNvSpPr>
-            <a:spLocks noGrp="1"/>
-          </p:cNvSpPr>
-          <p:nvPr>
-            <p:ph sz="quarter" idx="1"/>
-          </p:nvPr>
-        </p:nvSpPr>
-        <p:spPr/>
-        <p:txBody>
-          <a:bodyPr/>
-          <a:lstStyle/>
-          <a:p>
-            <a:pPr>
-              <a:lnSpc>
-                <a:spcPct val="150000"/>
-              </a:lnSpc>
-            </a:pPr>
-            <a:r>
-              <a:rPr lang="de-DE" dirty="0" smtClean="0"/>
-              <a:t>Connect </a:t>
-            </a:r>
-            <a:r>
-              <a:rPr lang="de-DE" dirty="0" err="1" smtClean="0"/>
-              <a:t>activity</a:t>
-            </a:r>
-            <a:r>
-              <a:rPr lang="de-DE" dirty="0" smtClean="0"/>
-              <a:t> </a:t>
-            </a:r>
-            <a:r>
-              <a:rPr lang="de-DE" dirty="0" err="1" smtClean="0"/>
-              <a:t>tweets</a:t>
-            </a:r>
-            <a:r>
-              <a:rPr lang="de-DE" dirty="0" smtClean="0"/>
-              <a:t> </a:t>
-            </a:r>
-            <a:r>
-              <a:rPr lang="de-DE" dirty="0" err="1" smtClean="0"/>
-              <a:t>with</a:t>
-            </a:r>
-            <a:endParaRPr lang="de-DE" dirty="0" smtClean="0"/>
-          </a:p>
-          <a:p>
-            <a:pPr lvl="1">
-              <a:lnSpc>
-                <a:spcPct val="150000"/>
-              </a:lnSpc>
-            </a:pPr>
-            <a:r>
-              <a:rPr lang="de-DE" dirty="0" err="1" smtClean="0"/>
-              <a:t>Historic</a:t>
-            </a:r>
-            <a:r>
-              <a:rPr lang="de-DE" dirty="0" smtClean="0"/>
-              <a:t> </a:t>
-            </a:r>
-            <a:r>
-              <a:rPr lang="de-DE" dirty="0" err="1" smtClean="0"/>
-              <a:t>weather</a:t>
-            </a:r>
-            <a:endParaRPr lang="de-DE" dirty="0" smtClean="0"/>
-          </a:p>
-          <a:p>
-            <a:pPr lvl="1">
-              <a:lnSpc>
-                <a:spcPct val="150000"/>
-              </a:lnSpc>
-            </a:pPr>
-            <a:r>
-              <a:rPr lang="de-DE" dirty="0" err="1" smtClean="0"/>
-              <a:t>Geographical</a:t>
-            </a:r>
-            <a:r>
-              <a:rPr lang="de-DE" dirty="0" smtClean="0"/>
-              <a:t> </a:t>
-            </a:r>
-            <a:r>
-              <a:rPr lang="de-DE" dirty="0" err="1" smtClean="0"/>
-              <a:t>location</a:t>
-            </a:r>
-            <a:endParaRPr lang="de-DE" dirty="0"/>
-          </a:p>
-          <a:p>
-            <a:pPr>
-              <a:lnSpc>
-                <a:spcPct val="150000"/>
-              </a:lnSpc>
-            </a:pPr>
-            <a:r>
-              <a:rPr lang="de-DE" dirty="0" smtClean="0"/>
-              <a:t>Learning </a:t>
-            </a:r>
-            <a:r>
-              <a:rPr lang="de-DE" dirty="0" err="1" smtClean="0"/>
-              <a:t>process</a:t>
-            </a:r>
-            <a:r>
-              <a:rPr lang="de-DE" dirty="0" smtClean="0"/>
-              <a:t> </a:t>
-            </a:r>
-            <a:r>
-              <a:rPr lang="de-DE" dirty="0" err="1" smtClean="0"/>
-              <a:t>of</a:t>
-            </a:r>
-            <a:r>
-              <a:rPr lang="de-DE" dirty="0" smtClean="0"/>
-              <a:t> </a:t>
-            </a:r>
-            <a:r>
-              <a:rPr lang="de-DE" dirty="0" err="1" smtClean="0"/>
-              <a:t>relationship</a:t>
-            </a:r>
-            <a:r>
-              <a:rPr lang="de-DE" dirty="0" smtClean="0"/>
-              <a:t> </a:t>
-            </a:r>
-            <a:r>
-              <a:rPr lang="de-DE" dirty="0" err="1" smtClean="0"/>
-              <a:t>between</a:t>
-            </a:r>
-            <a:r>
-              <a:rPr lang="de-DE" dirty="0" smtClean="0"/>
-              <a:t> </a:t>
-            </a:r>
-            <a:r>
-              <a:rPr lang="de-DE" dirty="0" err="1" smtClean="0"/>
-              <a:t>weather</a:t>
-            </a:r>
-            <a:r>
-              <a:rPr lang="de-DE" dirty="0" smtClean="0"/>
-              <a:t> </a:t>
-            </a:r>
-            <a:r>
-              <a:rPr lang="de-DE" dirty="0" err="1" smtClean="0"/>
-              <a:t>and</a:t>
-            </a:r>
-            <a:r>
-              <a:rPr lang="de-DE" dirty="0" smtClean="0"/>
-              <a:t> </a:t>
-            </a:r>
-            <a:r>
-              <a:rPr lang="de-DE" dirty="0" err="1" smtClean="0"/>
-              <a:t>activities</a:t>
-            </a:r>
-            <a:endParaRPr lang="de-DE" dirty="0" smtClean="0"/>
-          </a:p>
-          <a:p>
-            <a:pPr>
-              <a:lnSpc>
-                <a:spcPct val="150000"/>
-              </a:lnSpc>
-            </a:pPr>
-            <a:r>
-              <a:rPr lang="de-DE" dirty="0" err="1" smtClean="0"/>
-              <a:t>Predict</a:t>
-            </a:r>
-            <a:r>
-              <a:rPr lang="de-DE" dirty="0" smtClean="0"/>
-              <a:t> </a:t>
-            </a:r>
-            <a:r>
-              <a:rPr lang="de-DE" dirty="0" err="1" smtClean="0"/>
-              <a:t>preferred</a:t>
-            </a:r>
-            <a:r>
-              <a:rPr lang="de-DE" dirty="0" smtClean="0"/>
-              <a:t> </a:t>
-            </a:r>
-            <a:r>
-              <a:rPr lang="de-DE" dirty="0" err="1" smtClean="0"/>
-              <a:t>activities</a:t>
-            </a:r>
-            <a:r>
-              <a:rPr lang="de-DE" dirty="0" smtClean="0"/>
-              <a:t> </a:t>
-            </a:r>
-            <a:r>
-              <a:rPr lang="de-DE" dirty="0" err="1" smtClean="0"/>
-              <a:t>for</a:t>
-            </a:r>
-            <a:r>
-              <a:rPr lang="de-DE" dirty="0" smtClean="0"/>
-              <a:t> a </a:t>
-            </a:r>
-            <a:r>
-              <a:rPr lang="de-DE" dirty="0" err="1" smtClean="0"/>
-              <a:t>given</a:t>
-            </a:r>
-            <a:r>
-              <a:rPr lang="de-DE" dirty="0" smtClean="0"/>
-              <a:t> </a:t>
-            </a:r>
-            <a:r>
-              <a:rPr lang="de-DE" dirty="0" err="1" smtClean="0"/>
-              <a:t>date</a:t>
-            </a:r>
-            <a:r>
-              <a:rPr lang="de-DE" dirty="0" smtClean="0"/>
-              <a:t> </a:t>
-            </a:r>
-            <a:r>
-              <a:rPr lang="de-DE" dirty="0" err="1" smtClean="0"/>
-              <a:t>related</a:t>
-            </a:r>
-            <a:r>
-              <a:rPr lang="de-DE" dirty="0" smtClean="0"/>
-              <a:t> </a:t>
-            </a:r>
-            <a:r>
-              <a:rPr lang="de-DE" dirty="0" err="1" smtClean="0"/>
-              <a:t>to</a:t>
-            </a:r>
-            <a:r>
-              <a:rPr lang="de-DE" dirty="0" smtClean="0"/>
-              <a:t> </a:t>
-            </a:r>
-            <a:r>
-              <a:rPr lang="de-DE" dirty="0" err="1" smtClean="0"/>
-              <a:t>weather</a:t>
-            </a:r>
-            <a:r>
-              <a:rPr lang="de-DE" dirty="0" smtClean="0"/>
-              <a:t> </a:t>
-            </a:r>
-            <a:r>
-              <a:rPr lang="de-DE" dirty="0" err="1" smtClean="0"/>
-              <a:t>forecast</a:t>
-            </a:r>
-            <a:endParaRPr lang="de-DE" dirty="0" smtClean="0"/>
-          </a:p>
-          <a:p>
-            <a:pPr marL="0" indent="0">
-              <a:buNone/>
-            </a:pPr>
-            <a:endParaRPr lang="de-DE" dirty="0" smtClean="0"/>
-          </a:p>
-          <a:p>
-            <a:endParaRPr lang="de-DE" dirty="0"/>
-          </a:p>
-        </p:txBody>
-      </p:sp>
-    </p:spTree>
-    <p:extLst>
-      <p:ext uri="{BB962C8B-B14F-4D97-AF65-F5344CB8AC3E}">
-        <p14:creationId xmlns:p14="http://schemas.microsoft.com/office/powerpoint/2010/main" val="3211264886"/>
-      </p:ext>
-    </p:extLst>
-  </p:cSld>
-  <p:clrMapOvr>
-    <a:masterClrMapping/>
-  </p:clrMapOvr>
-  <p:timing>
-    <p:tnLst>
-      <p:par>
-        <p:cTn id="1" dur="indefinite" restart="never" nodeType="tmRoot"/>
-      </p:par>
-    </p:tnLst>
-  </p:timing>
-</p:sld>
-</file>
-
-<file path=ppt/slides/slide5.xml><?xml version="1.0" encoding="utf-8"?>
-<p:sld xmlns:a="http://schemas.openxmlformats.org/drawingml/2006/main" xmlns:r="http://schemas.openxmlformats.org/officeDocument/2006/relationships" xmlns:p="http://schemas.openxmlformats.org/presentationml/2006/main">
-  <p:cSld>
-    <p:spTree>
-      <p:nvGrpSpPr>
-        <p:cNvPr id="1" name=""/>
-        <p:cNvGrpSpPr/>
-        <p:nvPr/>
-      </p:nvGrpSpPr>
-      <p:grpSpPr>
-        <a:xfrm>
-          <a:off x="0" y="0"/>
-          <a:ext cx="0" cy="0"/>
-          <a:chOff x="0" y="0"/>
-          <a:chExt cx="0" cy="0"/>
-        </a:xfrm>
-      </p:grpSpPr>
-      <p:sp>
-        <p:nvSpPr>
-          <p:cNvPr id="2" name="Title 1"/>
-          <p:cNvSpPr>
-            <a:spLocks noGrp="1"/>
-          </p:cNvSpPr>
-          <p:nvPr>
-            <p:ph type="title"/>
-          </p:nvPr>
-        </p:nvSpPr>
-        <p:spPr/>
-        <p:txBody>
-          <a:bodyPr/>
-          <a:lstStyle/>
-          <a:p>
-            <a:r>
-              <a:rPr lang="de-DE" dirty="0" smtClean="0"/>
-              <a:t>Data </a:t>
-            </a:r>
-            <a:r>
-              <a:rPr lang="de-DE" dirty="0" err="1"/>
-              <a:t>S</a:t>
-            </a:r>
-            <a:r>
-              <a:rPr lang="de-DE" dirty="0" err="1" smtClean="0"/>
-              <a:t>ources</a:t>
-            </a:r>
-            <a:endParaRPr lang="de-DE" dirty="0"/>
-          </a:p>
-        </p:txBody>
-      </p:sp>
-      <p:sp>
-        <p:nvSpPr>
-          <p:cNvPr id="3" name="Content Placeholder 2"/>
-          <p:cNvSpPr>
-            <a:spLocks noGrp="1"/>
-          </p:cNvSpPr>
-          <p:nvPr>
-            <p:ph sz="quarter" idx="1"/>
-          </p:nvPr>
-        </p:nvSpPr>
-        <p:spPr/>
-        <p:txBody>
-          <a:bodyPr/>
-          <a:lstStyle/>
-          <a:p>
-            <a:pPr>
-              <a:lnSpc>
-                <a:spcPct val="150000"/>
-              </a:lnSpc>
-            </a:pPr>
-            <a:r>
-              <a:rPr lang="de-DE" dirty="0" err="1" smtClean="0"/>
-              <a:t>Persisted</a:t>
-            </a:r>
-            <a:r>
-              <a:rPr lang="de-DE" dirty="0" smtClean="0"/>
-              <a:t> </a:t>
-            </a:r>
-            <a:r>
-              <a:rPr lang="de-DE" dirty="0" err="1" smtClean="0"/>
-              <a:t>data</a:t>
-            </a:r>
-            <a:endParaRPr lang="de-DE" dirty="0" smtClean="0"/>
-          </a:p>
-          <a:p>
-            <a:pPr lvl="1">
-              <a:lnSpc>
-                <a:spcPct val="150000"/>
-              </a:lnSpc>
-            </a:pPr>
-            <a:r>
-              <a:rPr lang="de-DE" dirty="0" smtClean="0"/>
-              <a:t>Twitter</a:t>
-            </a:r>
-          </a:p>
-          <a:p>
-            <a:pPr lvl="1">
-              <a:lnSpc>
-                <a:spcPct val="150000"/>
-              </a:lnSpc>
-            </a:pPr>
-            <a:r>
-              <a:rPr lang="de-DE" dirty="0" smtClean="0"/>
-              <a:t>Deutscher Wetterdienst </a:t>
-            </a:r>
-            <a:br>
-              <a:rPr lang="de-DE" dirty="0" smtClean="0"/>
-            </a:br>
-            <a:r>
-              <a:rPr lang="de-DE" dirty="0" smtClean="0"/>
-              <a:t>(</a:t>
-            </a:r>
-            <a:r>
-              <a:rPr lang="de-DE" dirty="0" err="1" smtClean="0"/>
-              <a:t>historic</a:t>
-            </a:r>
-            <a:r>
-              <a:rPr lang="de-DE" dirty="0" smtClean="0"/>
-              <a:t> </a:t>
-            </a:r>
-            <a:r>
-              <a:rPr lang="de-DE" dirty="0" err="1" smtClean="0"/>
-              <a:t>weather</a:t>
-            </a:r>
-            <a:r>
-              <a:rPr lang="de-DE" dirty="0"/>
-              <a:t> </a:t>
-            </a:r>
-            <a:r>
-              <a:rPr lang="de-DE" dirty="0" err="1" smtClean="0"/>
-              <a:t>data</a:t>
-            </a:r>
-            <a:r>
-              <a:rPr lang="de-DE" dirty="0" smtClean="0"/>
-              <a:t>)</a:t>
-            </a:r>
-          </a:p>
-          <a:p>
-            <a:pPr>
-              <a:lnSpc>
-                <a:spcPct val="150000"/>
-              </a:lnSpc>
-            </a:pPr>
-            <a:r>
-              <a:rPr lang="de-DE" dirty="0" smtClean="0"/>
-              <a:t>Live </a:t>
-            </a:r>
-            <a:r>
-              <a:rPr lang="de-DE" dirty="0" err="1" smtClean="0"/>
-              <a:t>data</a:t>
-            </a:r>
-            <a:endParaRPr lang="de-DE" dirty="0" smtClean="0"/>
-          </a:p>
-          <a:p>
-            <a:pPr lvl="1">
-              <a:lnSpc>
-                <a:spcPct val="150000"/>
-              </a:lnSpc>
-            </a:pPr>
-            <a:r>
-              <a:rPr lang="de-DE" dirty="0" smtClean="0"/>
-              <a:t>Forecast API (</a:t>
-            </a:r>
-            <a:r>
-              <a:rPr lang="de-DE" dirty="0" err="1" smtClean="0"/>
-              <a:t>weather</a:t>
-            </a:r>
-            <a:r>
-              <a:rPr lang="de-DE" dirty="0" smtClean="0"/>
-              <a:t> </a:t>
-            </a:r>
-            <a:r>
-              <a:rPr lang="de-DE" dirty="0" err="1" smtClean="0"/>
-              <a:t>forecast</a:t>
-            </a:r>
-            <a:r>
-              <a:rPr lang="de-DE" dirty="0" smtClean="0"/>
-              <a:t>)</a:t>
-            </a:r>
-          </a:p>
-          <a:p>
-            <a:pPr lvl="1">
-              <a:lnSpc>
-                <a:spcPct val="150000"/>
-              </a:lnSpc>
-            </a:pPr>
-            <a:r>
-              <a:rPr lang="de-DE" dirty="0" smtClean="0"/>
-              <a:t>Google </a:t>
-            </a:r>
-            <a:r>
-              <a:rPr lang="de-DE" dirty="0" err="1" smtClean="0"/>
-              <a:t>geolocation</a:t>
-            </a:r>
-            <a:r>
-              <a:rPr lang="de-DE" dirty="0" smtClean="0"/>
-              <a:t> API</a:t>
-            </a:r>
-            <a:endParaRPr lang="de-DE" dirty="0"/>
-          </a:p>
-        </p:txBody>
-      </p:sp>
       <p:pic>
         <p:nvPicPr>
-          <p:cNvPr id="4" name="Picture 3"/>
+          <p:cNvPr id="4098" name="Picture 2"/>
           <p:cNvPicPr>
             <a:picLocks noChangeAspect="1" noChangeArrowheads="1"/>
           </p:cNvPicPr>
           <p:nvPr/>
         </p:nvPicPr>
         <p:blipFill>
-          <a:blip r:embed="rId3" cstate="print">
+          <a:blip r:embed="rId4" cstate="print">
+            <a:clrChange>
+              <a:clrFrom>
+                <a:srgbClr val="FFFFFF"/>
+              </a:clrFrom>
+              <a:clrTo>
+                <a:srgbClr val="FFFFFF">
+                  <a:alpha val="0"/>
+                </a:srgbClr>
+              </a:clrTo>
+            </a:clrChange>
             <a:extLst>
               <a:ext uri="{28A0092B-C50C-407E-A947-70E740481C1C}">
                 <a14:useLocalDpi xmlns:a14="http://schemas.microsoft.com/office/drawing/2010/main" val="0"/>
@@ -7867,8 +7991,8 @@
         </p:blipFill>
         <p:spPr bwMode="auto">
           <a:xfrm>
-            <a:off x="2483768" y="2288338"/>
-            <a:ext cx="645697" cy="568420"/>
+            <a:off x="4474869" y="2856758"/>
+            <a:ext cx="807673" cy="1004290"/>
           </a:xfrm>
           <a:prstGeom prst="rect">
             <a:avLst/>
@@ -7910,14 +8034,24 @@
       </p:pic>
       <p:pic>
         <p:nvPicPr>
-          <p:cNvPr id="4098" name="Picture 2"/>
+          <p:cNvPr id="4100" name="Picture 4"/>
           <p:cNvPicPr>
             <a:picLocks noChangeAspect="1" noChangeArrowheads="1"/>
           </p:cNvPicPr>
           <p:nvPr/>
         </p:nvPicPr>
         <p:blipFill>
-          <a:blip r:embed="rId4" cstate="print">
+          <a:blip r:embed="rId5">
+            <a:clrChange>
+              <a:clrFrom>
+                <a:srgbClr val="E8E7E7"/>
+              </a:clrFrom>
+              <a:clrTo>
+                <a:srgbClr val="E8E7E7">
+                  <a:alpha val="0"/>
+                </a:srgbClr>
+              </a:clrTo>
+            </a:clrChange>
             <a:extLst>
               <a:ext uri="{28A0092B-C50C-407E-A947-70E740481C1C}">
                 <a14:useLocalDpi xmlns:a14="http://schemas.microsoft.com/office/drawing/2010/main" val="0"/>
@@ -7931,8 +8065,8 @@
         </p:blipFill>
         <p:spPr bwMode="auto">
           <a:xfrm>
-            <a:off x="4474870" y="2856758"/>
-            <a:ext cx="807673" cy="1004290"/>
+            <a:off x="4355976" y="4941168"/>
+            <a:ext cx="2771777" cy="576263"/>
           </a:xfrm>
           <a:prstGeom prst="rect">
             <a:avLst/>
@@ -7972,16 +8106,109 @@
           </a:extLst>
         </p:spPr>
       </p:pic>
+    </p:spTree>
+    <p:extLst>
+      <p:ext uri="{BB962C8B-B14F-4D97-AF65-F5344CB8AC3E}">
+        <p14:creationId xmlns:p14="http://schemas.microsoft.com/office/powerpoint/2010/main" val="439044573"/>
+      </p:ext>
+    </p:extLst>
+  </p:cSld>
+  <p:clrMapOvr>
+    <a:masterClrMapping/>
+  </p:clrMapOvr>
+  <p:timing>
+    <p:tnLst>
+      <p:par>
+        <p:cTn id="1" dur="indefinite" restart="never" nodeType="tmRoot"/>
+      </p:par>
+    </p:tnLst>
+  </p:timing>
+</p:sld>
+</file>
+
+<file path=ppt/slides/slide6.xml><?xml version="1.0" encoding="utf-8"?>
+<p:sld xmlns:a="http://schemas.openxmlformats.org/drawingml/2006/main" xmlns:r="http://schemas.openxmlformats.org/officeDocument/2006/relationships" xmlns:p="http://schemas.openxmlformats.org/presentationml/2006/main" showMasterSp="0">
+  <p:cSld>
+    <p:spTree>
+      <p:nvGrpSpPr>
+        <p:cNvPr id="1" name=""/>
+        <p:cNvGrpSpPr/>
+        <p:nvPr/>
+      </p:nvGrpSpPr>
+      <p:grpSpPr>
+        <a:xfrm>
+          <a:off x="0" y="0"/>
+          <a:ext cx="0" cy="0"/>
+          <a:chOff x="0" y="0"/>
+          <a:chExt cx="0" cy="0"/>
+        </a:xfrm>
+      </p:grpSpPr>
+      <p:sp>
+        <p:nvSpPr>
+          <p:cNvPr id="2" name="Title 1"/>
+          <p:cNvSpPr>
+            <a:spLocks noGrp="1"/>
+          </p:cNvSpPr>
+          <p:nvPr>
+            <p:ph type="title"/>
+          </p:nvPr>
+        </p:nvSpPr>
+        <p:spPr/>
+        <p:txBody>
+          <a:bodyPr/>
+          <a:lstStyle/>
+          <a:p>
+            <a:r>
+              <a:rPr lang="de-DE" dirty="0" err="1" smtClean="0"/>
+              <a:t>Relationship</a:t>
+            </a:r>
+            <a:r>
+              <a:rPr lang="de-DE" dirty="0" smtClean="0"/>
+              <a:t> Model</a:t>
+            </a:r>
+            <a:endParaRPr lang="de-DE" dirty="0"/>
+          </a:p>
+        </p:txBody>
+      </p:sp>
+      <p:sp>
+        <p:nvSpPr>
+          <p:cNvPr id="4" name="Content Placeholder 3"/>
+          <p:cNvSpPr>
+            <a:spLocks noGrp="1"/>
+          </p:cNvSpPr>
+          <p:nvPr>
+            <p:ph sz="quarter" idx="1"/>
+          </p:nvPr>
+        </p:nvSpPr>
+        <p:spPr/>
+        <p:txBody>
+          <a:bodyPr/>
+          <a:lstStyle/>
+          <a:p>
+            <a:endParaRPr lang="de-DE"/>
+          </a:p>
+        </p:txBody>
+      </p:sp>
       <p:pic>
         <p:nvPicPr>
-          <p:cNvPr id="4100" name="Picture 4"/>
+          <p:cNvPr id="3074" name="Picture 2"/>
           <p:cNvPicPr>
             <a:picLocks noChangeAspect="1" noChangeArrowheads="1"/>
           </p:cNvPicPr>
           <p:nvPr/>
         </p:nvPicPr>
         <p:blipFill>
-          <a:blip r:embed="rId5">
+          <a:blip r:embed="rId3">
+            <a:clrChange>
+              <a:clrFrom>
+                <a:srgbClr val="EBEFF2"/>
+              </a:clrFrom>
+              <a:clrTo>
+                <a:srgbClr val="EBEFF2">
+                  <a:alpha val="0"/>
+                </a:srgbClr>
+              </a:clrTo>
+            </a:clrChange>
             <a:extLst>
               <a:ext uri="{28A0092B-C50C-407E-A947-70E740481C1C}">
                 <a14:useLocalDpi xmlns:a14="http://schemas.microsoft.com/office/drawing/2010/main" val="0"/>
@@ -7995,8 +8222,8 @@
         </p:blipFill>
         <p:spPr bwMode="auto">
           <a:xfrm>
-            <a:off x="4355976" y="4941168"/>
-            <a:ext cx="2771777" cy="576263"/>
+            <a:off x="449830" y="1433600"/>
+            <a:ext cx="7799387" cy="5324475"/>
           </a:xfrm>
           <a:prstGeom prst="rect">
             <a:avLst/>
@@ -8039,7 +8266,7 @@
     </p:spTree>
     <p:extLst>
       <p:ext uri="{BB962C8B-B14F-4D97-AF65-F5344CB8AC3E}">
-        <p14:creationId xmlns:p14="http://schemas.microsoft.com/office/powerpoint/2010/main" val="439044573"/>
+        <p14:creationId xmlns:p14="http://schemas.microsoft.com/office/powerpoint/2010/main" val="658767991"/>
       </p:ext>
     </p:extLst>
   </p:cSld>
@@ -8056,8 +8283,8 @@
 </p:sld>
 </file>
 
-<file path=ppt/slides/slide6.xml><?xml version="1.0" encoding="utf-8"?>
-<p:sld xmlns:a="http://schemas.openxmlformats.org/drawingml/2006/main" xmlns:r="http://schemas.openxmlformats.org/officeDocument/2006/relationships" xmlns:p="http://schemas.openxmlformats.org/presentationml/2006/main">
+<file path=ppt/slides/slide7.xml><?xml version="1.0" encoding="utf-8"?>
+<p:sld xmlns:a="http://schemas.openxmlformats.org/drawingml/2006/main" xmlns:r="http://schemas.openxmlformats.org/officeDocument/2006/relationships" xmlns:p="http://schemas.openxmlformats.org/presentationml/2006/main" showMasterSp="0">
   <p:cSld>
     <p:spTree>
       <p:nvGrpSpPr>
@@ -8089,46 +8316,23 @@
           <a:lstStyle/>
           <a:p>
             <a:r>
-              <a:rPr lang="de-DE" dirty="0" err="1" smtClean="0"/>
-              <a:t>Relationship</a:t>
-            </a:r>
-            <a:r>
               <a:rPr lang="de-DE" dirty="0" smtClean="0"/>
-              <a:t> Model</a:t>
+              <a:t>Live Demo</a:t>
             </a:r>
             <a:endParaRPr lang="de-DE" dirty="0"/>
-          </a:p>
-        </p:txBody>
-      </p:sp>
-      <p:sp>
-        <p:nvSpPr>
-          <p:cNvPr id="4" name="Content Placeholder 3"/>
-          <p:cNvSpPr>
-            <a:spLocks noGrp="1"/>
-          </p:cNvSpPr>
-          <p:nvPr>
-            <p:ph sz="quarter" idx="1"/>
-          </p:nvPr>
-        </p:nvSpPr>
-        <p:spPr/>
-        <p:txBody>
-          <a:bodyPr/>
-          <a:lstStyle/>
-          <a:p>
-            <a:endParaRPr lang="de-DE"/>
           </a:p>
         </p:txBody>
       </p:sp>
       <p:pic>
         <p:nvPicPr>
-          <p:cNvPr id="3074" name="Picture 2"/>
+          <p:cNvPr id="6146" name="Picture 2"/>
           <p:cNvPicPr>
             <a:picLocks noChangeAspect="1" noChangeArrowheads="1"/>
           </p:cNvPicPr>
           <p:nvPr/>
         </p:nvPicPr>
         <p:blipFill>
-          <a:blip r:embed="rId3">
+          <a:blip r:embed="rId2">
             <a:extLst>
               <a:ext uri="{28A0092B-C50C-407E-A947-70E740481C1C}">
                 <a14:useLocalDpi xmlns:a14="http://schemas.microsoft.com/office/drawing/2010/main" val="0"/>
@@ -8142,8 +8346,8 @@
         </p:blipFill>
         <p:spPr bwMode="auto">
           <a:xfrm>
-            <a:off x="449830" y="1433600"/>
-            <a:ext cx="7799387" cy="5324475"/>
+            <a:off x="683568" y="1636357"/>
+            <a:ext cx="7776864" cy="4888987"/>
           </a:xfrm>
           <a:prstGeom prst="rect">
             <a:avLst/>
@@ -8186,85 +8390,6 @@
     </p:spTree>
     <p:extLst>
       <p:ext uri="{BB962C8B-B14F-4D97-AF65-F5344CB8AC3E}">
-        <p14:creationId xmlns:p14="http://schemas.microsoft.com/office/powerpoint/2010/main" val="658767991"/>
-      </p:ext>
-    </p:extLst>
-  </p:cSld>
-  <p:clrMapOvr>
-    <a:masterClrMapping/>
-  </p:clrMapOvr>
-  <p:timing>
-    <p:tnLst>
-      <p:par>
-        <p:cTn id="1" dur="indefinite" restart="never" nodeType="tmRoot"/>
-      </p:par>
-    </p:tnLst>
-  </p:timing>
-</p:sld>
-</file>
-
-<file path=ppt/slides/slide7.xml><?xml version="1.0" encoding="utf-8"?>
-<p:sld xmlns:a="http://schemas.openxmlformats.org/drawingml/2006/main" xmlns:r="http://schemas.openxmlformats.org/officeDocument/2006/relationships" xmlns:p="http://schemas.openxmlformats.org/presentationml/2006/main">
-  <p:cSld>
-    <p:spTree>
-      <p:nvGrpSpPr>
-        <p:cNvPr id="1" name=""/>
-        <p:cNvGrpSpPr/>
-        <p:nvPr/>
-      </p:nvGrpSpPr>
-      <p:grpSpPr>
-        <a:xfrm>
-          <a:off x="0" y="0"/>
-          <a:ext cx="0" cy="0"/>
-          <a:chOff x="0" y="0"/>
-          <a:chExt cx="0" cy="0"/>
-        </a:xfrm>
-      </p:grpSpPr>
-      <p:sp>
-        <p:nvSpPr>
-          <p:cNvPr id="2" name="Title 1"/>
-          <p:cNvSpPr>
-            <a:spLocks noGrp="1"/>
-          </p:cNvSpPr>
-          <p:nvPr>
-            <p:ph type="title"/>
-          </p:nvPr>
-        </p:nvSpPr>
-        <p:spPr/>
-        <p:txBody>
-          <a:bodyPr/>
-          <a:lstStyle/>
-          <a:p>
-            <a:r>
-              <a:rPr lang="de-DE" dirty="0" smtClean="0"/>
-              <a:t>Live Demo</a:t>
-            </a:r>
-            <a:endParaRPr lang="de-DE" dirty="0"/>
-          </a:p>
-        </p:txBody>
-      </p:sp>
-      <p:sp>
-        <p:nvSpPr>
-          <p:cNvPr id="3" name="Content Placeholder 2"/>
-          <p:cNvSpPr>
-            <a:spLocks noGrp="1"/>
-          </p:cNvSpPr>
-          <p:nvPr>
-            <p:ph sz="quarter" idx="1"/>
-          </p:nvPr>
-        </p:nvSpPr>
-        <p:spPr/>
-        <p:txBody>
-          <a:bodyPr/>
-          <a:lstStyle/>
-          <a:p>
-            <a:endParaRPr lang="de-DE"/>
-          </a:p>
-        </p:txBody>
-      </p:sp>
-    </p:spTree>
-    <p:extLst>
-      <p:ext uri="{BB962C8B-B14F-4D97-AF65-F5344CB8AC3E}">
         <p14:creationId xmlns:p14="http://schemas.microsoft.com/office/powerpoint/2010/main" val="4025867307"/>
       </p:ext>
     </p:extLst>
@@ -8283,7 +8408,7 @@
 </file>
 
 <file path=ppt/slides/slide8.xml><?xml version="1.0" encoding="utf-8"?>
-<p:sld xmlns:a="http://schemas.openxmlformats.org/drawingml/2006/main" xmlns:r="http://schemas.openxmlformats.org/officeDocument/2006/relationships" xmlns:p="http://schemas.openxmlformats.org/presentationml/2006/main">
+<p:sld xmlns:a="http://schemas.openxmlformats.org/drawingml/2006/main" xmlns:r="http://schemas.openxmlformats.org/officeDocument/2006/relationships" xmlns:p="http://schemas.openxmlformats.org/presentationml/2006/main" showMasterSp="0">
   <p:cSld>
     <p:spTree>
       <p:nvGrpSpPr>
@@ -8595,22 +8720,22 @@
         <a:srgbClr val="3B435B"/>
       </a:folHlink>
     </a:clrScheme>
-    <a:fontScheme name="Oriel">
+    <a:fontScheme name="Office Classic 2">
       <a:majorFont>
-        <a:latin typeface="Century Schoolbook"/>
+        <a:latin typeface="Arial"/>
         <a:ea typeface=""/>
         <a:cs typeface=""/>
-        <a:font script="Jpan" typeface="ＭＳ Ｐ明朝"/>
-        <a:font script="Hang" typeface="휴먼매직체"/>
-        <a:font script="Hans" typeface="华文楷体"/>
-        <a:font script="Hant" typeface="新細明體"/>
-        <a:font script="Arab" typeface="Times New Roman"/>
-        <a:font script="Hebr" typeface="Times New Roman"/>
-        <a:font script="Thai" typeface="KodchiangUPC"/>
+        <a:font script="Jpan" typeface="ＭＳ Ｐゴシック"/>
+        <a:font script="Hang" typeface="굴림"/>
+        <a:font script="Hans" typeface="黑体"/>
+        <a:font script="Hant" typeface="微軟正黑體"/>
+        <a:font script="Arab" typeface="Arial"/>
+        <a:font script="Hebr" typeface="Arial"/>
+        <a:font script="Thai" typeface="Cordia New"/>
         <a:font script="Ethi" typeface="Nyala"/>
         <a:font script="Beng" typeface="Vrinda"/>
         <a:font script="Gujr" typeface="Shruti"/>
-        <a:font script="Khmr" typeface="MoolBoran"/>
+        <a:font script="Khmr" typeface="DaunPenh"/>
         <a:font script="Knda" typeface="Tunga"/>
         <a:font script="Guru" typeface="Raavi"/>
         <a:font script="Cans" typeface="Euphemia"/>
@@ -8627,25 +8752,25 @@
         <a:font script="Laoo" typeface="DokChampa"/>
         <a:font script="Sinh" typeface="Iskoola Pota"/>
         <a:font script="Mong" typeface="Mongolian Baiti"/>
-        <a:font script="Viet" typeface="Times New Roman"/>
+        <a:font script="Viet" typeface="Arial"/>
         <a:font script="Uigh" typeface="Microsoft Uighur"/>
         <a:font script="Geor" typeface="Sylfaen"/>
       </a:majorFont>
       <a:minorFont>
-        <a:latin typeface="Century Schoolbook"/>
+        <a:latin typeface="Arial"/>
         <a:ea typeface=""/>
         <a:cs typeface=""/>
-        <a:font script="Jpan" typeface="ＭＳ Ｐ明朝"/>
-        <a:font script="Hang" typeface="휴먼매직체"/>
-        <a:font script="Hans" typeface="宋体"/>
-        <a:font script="Hant" typeface="新細明體"/>
-        <a:font script="Arab" typeface="Times New Roman"/>
-        <a:font script="Hebr" typeface="Times New Roman"/>
-        <a:font script="Thai" typeface="KodchiangUPC"/>
+        <a:font script="Jpan" typeface="ＭＳ Ｐゴシック"/>
+        <a:font script="Hang" typeface="굴림"/>
+        <a:font script="Hans" typeface="黑体"/>
+        <a:font script="Hant" typeface="微軟正黑體"/>
+        <a:font script="Arab" typeface="Arial"/>
+        <a:font script="Hebr" typeface="Arial"/>
+        <a:font script="Thai" typeface="Cordia New"/>
         <a:font script="Ethi" typeface="Nyala"/>
         <a:font script="Beng" typeface="Vrinda"/>
         <a:font script="Gujr" typeface="Shruti"/>
-        <a:font script="Khmr" typeface="MoolBoran"/>
+        <a:font script="Khmr" typeface="DaunPenh"/>
         <a:font script="Knda" typeface="Tunga"/>
         <a:font script="Guru" typeface="Raavi"/>
         <a:font script="Cans" typeface="Euphemia"/>
@@ -8662,7 +8787,7 @@
         <a:font script="Laoo" typeface="DokChampa"/>
         <a:font script="Sinh" typeface="Iskoola Pota"/>
         <a:font script="Mong" typeface="Mongolian Baiti"/>
-        <a:font script="Viet" typeface="Times New Roman"/>
+        <a:font script="Viet" typeface="Arial"/>
         <a:font script="Uigh" typeface="Microsoft Uighur"/>
         <a:font script="Geor" typeface="Sylfaen"/>
       </a:minorFont>
